--- a/CYFI445/lectures/07_binary_classification_n_to_1/0_ML_workflow_breast_cancer.pptx
+++ b/CYFI445/lectures/07_binary_classification_n_to_1/0_ML_workflow_breast_cancer.pptx
@@ -141,1180 +141,6 @@
 <file path=ppt/changesInfos/changesInfo1.xml><?xml version="1.0" encoding="utf-8"?>
 <pc:chgInfo xmlns:a="http://schemas.openxmlformats.org/drawingml/2006/main" xmlns:r="http://schemas.openxmlformats.org/officeDocument/2006/relationships" xmlns:ac="http://schemas.microsoft.com/office/drawing/2013/main/command" xmlns:pc="http://schemas.microsoft.com/office/powerpoint/2013/main/command">
   <pc:docChgLst>
-    <pc:chgData name="Weifeng Xu" userId="e7aed605-a3dd-4d5a-a692-a87037af107b" providerId="ADAL" clId="{77503F2E-F3A0-409B-A511-BB14035E722B}"/>
-    <pc:docChg chg="undo custSel addSld delSld modSld sldOrd">
-      <pc:chgData name="Weifeng Xu" userId="e7aed605-a3dd-4d5a-a692-a87037af107b" providerId="ADAL" clId="{77503F2E-F3A0-409B-A511-BB14035E722B}" dt="2025-05-01T18:53:56.374" v="2136" actId="20577"/>
-      <pc:docMkLst>
-        <pc:docMk/>
-      </pc:docMkLst>
-      <pc:sldChg chg="addSp modSp mod">
-        <pc:chgData name="Weifeng Xu" userId="e7aed605-a3dd-4d5a-a692-a87037af107b" providerId="ADAL" clId="{77503F2E-F3A0-409B-A511-BB14035E722B}" dt="2025-04-30T22:37:51.320" v="275" actId="1076"/>
-        <pc:sldMkLst>
-          <pc:docMk/>
-          <pc:sldMk cId="1325061211" sldId="256"/>
-        </pc:sldMkLst>
-        <pc:spChg chg="mod">
-          <ac:chgData name="Weifeng Xu" userId="e7aed605-a3dd-4d5a-a692-a87037af107b" providerId="ADAL" clId="{77503F2E-F3A0-409B-A511-BB14035E722B}" dt="2025-04-30T21:32:17.306" v="10"/>
-          <ac:spMkLst>
-            <pc:docMk/>
-            <pc:sldMk cId="1325061211" sldId="256"/>
-            <ac:spMk id="2" creationId="{00000000-0000-0000-0000-000000000000}"/>
-          </ac:spMkLst>
-        </pc:spChg>
-        <pc:spChg chg="mod">
-          <ac:chgData name="Weifeng Xu" userId="e7aed605-a3dd-4d5a-a692-a87037af107b" providerId="ADAL" clId="{77503F2E-F3A0-409B-A511-BB14035E722B}" dt="2025-04-30T21:32:19.688" v="11" actId="6549"/>
-          <ac:spMkLst>
-            <pc:docMk/>
-            <pc:sldMk cId="1325061211" sldId="256"/>
-            <ac:spMk id="3" creationId="{00000000-0000-0000-0000-000000000000}"/>
-          </ac:spMkLst>
-        </pc:spChg>
-      </pc:sldChg>
-      <pc:sldChg chg="addSp delSp modSp new mod modClrScheme chgLayout">
-        <pc:chgData name="Weifeng Xu" userId="e7aed605-a3dd-4d5a-a692-a87037af107b" providerId="ADAL" clId="{77503F2E-F3A0-409B-A511-BB14035E722B}" dt="2025-04-30T22:00:56.674" v="162" actId="14100"/>
-        <pc:sldMkLst>
-          <pc:docMk/>
-          <pc:sldMk cId="2003605107" sldId="257"/>
-        </pc:sldMkLst>
-      </pc:sldChg>
-      <pc:sldChg chg="del">
-        <pc:chgData name="Weifeng Xu" userId="e7aed605-a3dd-4d5a-a692-a87037af107b" providerId="ADAL" clId="{77503F2E-F3A0-409B-A511-BB14035E722B}" dt="2025-04-30T21:31:57.304" v="0" actId="47"/>
-        <pc:sldMkLst>
-          <pc:docMk/>
-          <pc:sldMk cId="2572427240" sldId="257"/>
-        </pc:sldMkLst>
-      </pc:sldChg>
-      <pc:sldChg chg="del">
-        <pc:chgData name="Weifeng Xu" userId="e7aed605-a3dd-4d5a-a692-a87037af107b" providerId="ADAL" clId="{77503F2E-F3A0-409B-A511-BB14035E722B}" dt="2025-04-30T21:31:57.413" v="1" actId="47"/>
-        <pc:sldMkLst>
-          <pc:docMk/>
-          <pc:sldMk cId="3100494254" sldId="258"/>
-        </pc:sldMkLst>
-      </pc:sldChg>
-      <pc:sldChg chg="addSp delSp modSp add mod modClrScheme chgLayout">
-        <pc:chgData name="Weifeng Xu" userId="e7aed605-a3dd-4d5a-a692-a87037af107b" providerId="ADAL" clId="{77503F2E-F3A0-409B-A511-BB14035E722B}" dt="2025-04-30T22:36:13.270" v="244" actId="27636"/>
-        <pc:sldMkLst>
-          <pc:docMk/>
-          <pc:sldMk cId="3148078500" sldId="258"/>
-        </pc:sldMkLst>
-      </pc:sldChg>
-      <pc:sldChg chg="del">
-        <pc:chgData name="Weifeng Xu" userId="e7aed605-a3dd-4d5a-a692-a87037af107b" providerId="ADAL" clId="{77503F2E-F3A0-409B-A511-BB14035E722B}" dt="2025-04-30T21:31:57.571" v="2" actId="47"/>
-        <pc:sldMkLst>
-          <pc:docMk/>
-          <pc:sldMk cId="1655253961" sldId="259"/>
-        </pc:sldMkLst>
-      </pc:sldChg>
-      <pc:sldChg chg="addSp delSp modSp new mod modClrScheme chgLayout">
-        <pc:chgData name="Weifeng Xu" userId="e7aed605-a3dd-4d5a-a692-a87037af107b" providerId="ADAL" clId="{77503F2E-F3A0-409B-A511-BB14035E722B}" dt="2025-05-01T02:24:49.515" v="1486" actId="1076"/>
-        <pc:sldMkLst>
-          <pc:docMk/>
-          <pc:sldMk cId="2942233055" sldId="259"/>
-        </pc:sldMkLst>
-      </pc:sldChg>
-      <pc:sldChg chg="del">
-        <pc:chgData name="Weifeng Xu" userId="e7aed605-a3dd-4d5a-a692-a87037af107b" providerId="ADAL" clId="{77503F2E-F3A0-409B-A511-BB14035E722B}" dt="2025-04-30T21:31:58.684" v="5" actId="47"/>
-        <pc:sldMkLst>
-          <pc:docMk/>
-          <pc:sldMk cId="3375603492" sldId="260"/>
-        </pc:sldMkLst>
-      </pc:sldChg>
-      <pc:sldChg chg="addSp delSp modSp new mod modClrScheme chgLayout modNotesTx">
-        <pc:chgData name="Weifeng Xu" userId="e7aed605-a3dd-4d5a-a692-a87037af107b" providerId="ADAL" clId="{77503F2E-F3A0-409B-A511-BB14035E722B}" dt="2025-04-30T23:57:46.285" v="501" actId="1076"/>
-        <pc:sldMkLst>
-          <pc:docMk/>
-          <pc:sldMk cId="4238292093" sldId="260"/>
-        </pc:sldMkLst>
-      </pc:sldChg>
-      <pc:sldChg chg="addSp delSp modSp new mod ord modClrScheme chgLayout modNotesTx">
-        <pc:chgData name="Weifeng Xu" userId="e7aed605-a3dd-4d5a-a692-a87037af107b" providerId="ADAL" clId="{77503F2E-F3A0-409B-A511-BB14035E722B}" dt="2025-05-01T00:20:09.257" v="663" actId="20577"/>
-        <pc:sldMkLst>
-          <pc:docMk/>
-          <pc:sldMk cId="773548588" sldId="261"/>
-        </pc:sldMkLst>
-      </pc:sldChg>
-      <pc:sldChg chg="del">
-        <pc:chgData name="Weifeng Xu" userId="e7aed605-a3dd-4d5a-a692-a87037af107b" providerId="ADAL" clId="{77503F2E-F3A0-409B-A511-BB14035E722B}" dt="2025-04-30T21:31:57.746" v="3" actId="47"/>
-        <pc:sldMkLst>
-          <pc:docMk/>
-          <pc:sldMk cId="909895920" sldId="261"/>
-        </pc:sldMkLst>
-      </pc:sldChg>
-      <pc:sldChg chg="del">
-        <pc:chgData name="Weifeng Xu" userId="e7aed605-a3dd-4d5a-a692-a87037af107b" providerId="ADAL" clId="{77503F2E-F3A0-409B-A511-BB14035E722B}" dt="2025-04-30T21:31:57.991" v="4" actId="47"/>
-        <pc:sldMkLst>
-          <pc:docMk/>
-          <pc:sldMk cId="1010189504" sldId="262"/>
-        </pc:sldMkLst>
-      </pc:sldChg>
-      <pc:sldChg chg="addSp modSp new mod ord modClrScheme chgLayout">
-        <pc:chgData name="Weifeng Xu" userId="e7aed605-a3dd-4d5a-a692-a87037af107b" providerId="ADAL" clId="{77503F2E-F3A0-409B-A511-BB14035E722B}" dt="2025-05-01T01:31:48.820" v="1112"/>
-        <pc:sldMkLst>
-          <pc:docMk/>
-          <pc:sldMk cId="3939068785" sldId="262"/>
-        </pc:sldMkLst>
-      </pc:sldChg>
-      <pc:sldChg chg="addSp delSp modSp new mod modClrScheme chgLayout">
-        <pc:chgData name="Weifeng Xu" userId="e7aed605-a3dd-4d5a-a692-a87037af107b" providerId="ADAL" clId="{77503F2E-F3A0-409B-A511-BB14035E722B}" dt="2025-05-01T01:30:59.453" v="1110" actId="207"/>
-        <pc:sldMkLst>
-          <pc:docMk/>
-          <pc:sldMk cId="2162073066" sldId="263"/>
-        </pc:sldMkLst>
-      </pc:sldChg>
-      <pc:sldChg chg="addSp delSp modSp new mod modClrScheme chgLayout">
-        <pc:chgData name="Weifeng Xu" userId="e7aed605-a3dd-4d5a-a692-a87037af107b" providerId="ADAL" clId="{77503F2E-F3A0-409B-A511-BB14035E722B}" dt="2025-05-01T02:28:32.993" v="1527"/>
-        <pc:sldMkLst>
-          <pc:docMk/>
-          <pc:sldMk cId="1975365164" sldId="264"/>
-        </pc:sldMkLst>
-      </pc:sldChg>
-      <pc:sldChg chg="addSp delSp modSp new mod">
-        <pc:chgData name="Weifeng Xu" userId="e7aed605-a3dd-4d5a-a692-a87037af107b" providerId="ADAL" clId="{77503F2E-F3A0-409B-A511-BB14035E722B}" dt="2025-05-01T16:11:44.655" v="2082" actId="1076"/>
-        <pc:sldMkLst>
-          <pc:docMk/>
-          <pc:sldMk cId="4163382801" sldId="265"/>
-        </pc:sldMkLst>
-      </pc:sldChg>
-      <pc:sldChg chg="addSp delSp modSp new mod modClrScheme chgLayout modNotesTx">
-        <pc:chgData name="Weifeng Xu" userId="e7aed605-a3dd-4d5a-a692-a87037af107b" providerId="ADAL" clId="{77503F2E-F3A0-409B-A511-BB14035E722B}" dt="2025-05-01T15:39:51.026" v="1945" actId="403"/>
-        <pc:sldMkLst>
-          <pc:docMk/>
-          <pc:sldMk cId="711940281" sldId="266"/>
-        </pc:sldMkLst>
-      </pc:sldChg>
-      <pc:sldChg chg="addSp delSp modSp new mod">
-        <pc:chgData name="Weifeng Xu" userId="e7aed605-a3dd-4d5a-a692-a87037af107b" providerId="ADAL" clId="{77503F2E-F3A0-409B-A511-BB14035E722B}" dt="2025-05-01T15:44:07.976" v="1954" actId="14100"/>
-        <pc:sldMkLst>
-          <pc:docMk/>
-          <pc:sldMk cId="3000902119" sldId="267"/>
-        </pc:sldMkLst>
-      </pc:sldChg>
-      <pc:sldChg chg="addSp modSp new mod modClrScheme chgLayout">
-        <pc:chgData name="Weifeng Xu" userId="e7aed605-a3dd-4d5a-a692-a87037af107b" providerId="ADAL" clId="{77503F2E-F3A0-409B-A511-BB14035E722B}" dt="2025-05-01T02:13:32.434" v="1403"/>
-        <pc:sldMkLst>
-          <pc:docMk/>
-          <pc:sldMk cId="70125468" sldId="268"/>
-        </pc:sldMkLst>
-      </pc:sldChg>
-      <pc:sldChg chg="modSp new mod">
-        <pc:chgData name="Weifeng Xu" userId="e7aed605-a3dd-4d5a-a692-a87037af107b" providerId="ADAL" clId="{77503F2E-F3A0-409B-A511-BB14035E722B}" dt="2025-05-01T18:53:56.374" v="2136" actId="20577"/>
-        <pc:sldMkLst>
-          <pc:docMk/>
-          <pc:sldMk cId="1829157120" sldId="269"/>
-        </pc:sldMkLst>
-      </pc:sldChg>
-      <pc:sldChg chg="addSp delSp modSp new mod modClrScheme chgLayout">
-        <pc:chgData name="Weifeng Xu" userId="e7aed605-a3dd-4d5a-a692-a87037af107b" providerId="ADAL" clId="{77503F2E-F3A0-409B-A511-BB14035E722B}" dt="2025-05-01T16:45:54.163" v="2089" actId="1076"/>
-        <pc:sldMkLst>
-          <pc:docMk/>
-          <pc:sldMk cId="1822568230" sldId="270"/>
-        </pc:sldMkLst>
-      </pc:sldChg>
-      <pc:sldChg chg="addSp modSp new mod modClrScheme chgLayout">
-        <pc:chgData name="Weifeng Xu" userId="e7aed605-a3dd-4d5a-a692-a87037af107b" providerId="ADAL" clId="{77503F2E-F3A0-409B-A511-BB14035E722B}" dt="2025-05-01T14:02:37.278" v="1563" actId="14100"/>
-        <pc:sldMkLst>
-          <pc:docMk/>
-          <pc:sldMk cId="929903445" sldId="271"/>
-        </pc:sldMkLst>
-      </pc:sldChg>
-      <pc:sldChg chg="addSp modSp new mod modClrScheme chgLayout">
-        <pc:chgData name="Weifeng Xu" userId="e7aed605-a3dd-4d5a-a692-a87037af107b" providerId="ADAL" clId="{77503F2E-F3A0-409B-A511-BB14035E722B}" dt="2025-05-01T15:30:04.850" v="1882" actId="14100"/>
-        <pc:sldMkLst>
-          <pc:docMk/>
-          <pc:sldMk cId="409369350" sldId="272"/>
-        </pc:sldMkLst>
-      </pc:sldChg>
-      <pc:sldChg chg="addSp delSp modSp new mod modClrScheme chgLayout">
-        <pc:chgData name="Weifeng Xu" userId="e7aed605-a3dd-4d5a-a692-a87037af107b" providerId="ADAL" clId="{77503F2E-F3A0-409B-A511-BB14035E722B}" dt="2025-05-01T14:59:11.283" v="1722" actId="20577"/>
-        <pc:sldMkLst>
-          <pc:docMk/>
-          <pc:sldMk cId="3399795082" sldId="273"/>
-        </pc:sldMkLst>
-      </pc:sldChg>
-      <pc:sldChg chg="addSp delSp modSp new mod modClrScheme chgLayout modNotesTx">
-        <pc:chgData name="Weifeng Xu" userId="e7aed605-a3dd-4d5a-a692-a87037af107b" providerId="ADAL" clId="{77503F2E-F3A0-409B-A511-BB14035E722B}" dt="2025-05-01T15:30:28.941" v="1887" actId="403"/>
-        <pc:sldMkLst>
-          <pc:docMk/>
-          <pc:sldMk cId="1313382436" sldId="274"/>
-        </pc:sldMkLst>
-      </pc:sldChg>
-      <pc:sldChg chg="addSp delSp modSp new mod modClrScheme chgLayout">
-        <pc:chgData name="Weifeng Xu" userId="e7aed605-a3dd-4d5a-a692-a87037af107b" providerId="ADAL" clId="{77503F2E-F3A0-409B-A511-BB14035E722B}" dt="2025-05-01T15:07:31.776" v="1818" actId="12"/>
-        <pc:sldMkLst>
-          <pc:docMk/>
-          <pc:sldMk cId="4170236264" sldId="275"/>
-        </pc:sldMkLst>
-      </pc:sldChg>
-      <pc:sldChg chg="addSp delSp modSp new mod ord modClrScheme chgLayout">
-        <pc:chgData name="Weifeng Xu" userId="e7aed605-a3dd-4d5a-a692-a87037af107b" providerId="ADAL" clId="{77503F2E-F3A0-409B-A511-BB14035E722B}" dt="2025-05-01T16:46:25.876" v="2093" actId="207"/>
-        <pc:sldMkLst>
-          <pc:docMk/>
-          <pc:sldMk cId="363184616" sldId="276"/>
-        </pc:sldMkLst>
-      </pc:sldChg>
-      <pc:sldChg chg="addSp modSp new del mod">
-        <pc:chgData name="Weifeng Xu" userId="e7aed605-a3dd-4d5a-a692-a87037af107b" providerId="ADAL" clId="{77503F2E-F3A0-409B-A511-BB14035E722B}" dt="2025-05-01T16:11:58.243" v="2083" actId="47"/>
-        <pc:sldMkLst>
-          <pc:docMk/>
-          <pc:sldMk cId="1433488969" sldId="276"/>
-        </pc:sldMkLst>
-      </pc:sldChg>
-      <pc:sldChg chg="addSp delSp modSp new del mod modClrScheme chgLayout">
-        <pc:chgData name="Weifeng Xu" userId="e7aed605-a3dd-4d5a-a692-a87037af107b" providerId="ADAL" clId="{77503F2E-F3A0-409B-A511-BB14035E722B}" dt="2025-05-01T15:56:30.529" v="2015" actId="680"/>
-        <pc:sldMkLst>
-          <pc:docMk/>
-          <pc:sldMk cId="1774214095" sldId="276"/>
-        </pc:sldMkLst>
-      </pc:sldChg>
-      <pc:sldChg chg="addSp modSp new del mod modClrScheme chgLayout">
-        <pc:chgData name="Weifeng Xu" userId="e7aed605-a3dd-4d5a-a692-a87037af107b" providerId="ADAL" clId="{77503F2E-F3A0-409B-A511-BB14035E722B}" dt="2025-05-01T15:40:18.963" v="1946" actId="47"/>
-        <pc:sldMkLst>
-          <pc:docMk/>
-          <pc:sldMk cId="3294603324" sldId="276"/>
-        </pc:sldMkLst>
-      </pc:sldChg>
-      <pc:sldChg chg="addSp modSp new mod modAnim">
-        <pc:chgData name="Weifeng Xu" userId="e7aed605-a3dd-4d5a-a692-a87037af107b" providerId="ADAL" clId="{77503F2E-F3A0-409B-A511-BB14035E722B}" dt="2025-05-01T18:53:39.456" v="2135" actId="1076"/>
-        <pc:sldMkLst>
-          <pc:docMk/>
-          <pc:sldMk cId="1572050356" sldId="277"/>
-        </pc:sldMkLst>
-      </pc:sldChg>
-      <pc:sldChg chg="add del">
-        <pc:chgData name="Weifeng Xu" userId="e7aed605-a3dd-4d5a-a692-a87037af107b" providerId="ADAL" clId="{77503F2E-F3A0-409B-A511-BB14035E722B}" dt="2025-05-01T18:49:24.473" v="2098"/>
-        <pc:sldMkLst>
-          <pc:docMk/>
-          <pc:sldMk cId="3665025083" sldId="277"/>
-        </pc:sldMkLst>
-      </pc:sldChg>
-      <pc:sldChg chg="add del">
-        <pc:chgData name="Weifeng Xu" userId="e7aed605-a3dd-4d5a-a692-a87037af107b" providerId="ADAL" clId="{77503F2E-F3A0-409B-A511-BB14035E722B}" dt="2025-05-01T18:49:10.145" v="2095"/>
-        <pc:sldMkLst>
-          <pc:docMk/>
-          <pc:sldMk cId="4149124542" sldId="277"/>
-        </pc:sldMkLst>
-      </pc:sldChg>
-    </pc:docChg>
-  </pc:docChgLst>
-  <pc:docChgLst>
-    <pc:chgData name="Weifeng Xu" userId="e7aed605-a3dd-4d5a-a692-a87037af107b" providerId="ADAL" clId="{8E5A6AEC-921D-4BE6-8002-CC8D4F2830D2}"/>
-    <pc:docChg chg="undo custSel addSld delSld modSld">
-      <pc:chgData name="Weifeng Xu" userId="e7aed605-a3dd-4d5a-a692-a87037af107b" providerId="ADAL" clId="{8E5A6AEC-921D-4BE6-8002-CC8D4F2830D2}" dt="2025-04-28T15:23:27.017" v="746" actId="6549"/>
-      <pc:docMkLst>
-        <pc:docMk/>
-      </pc:docMkLst>
-      <pc:sldChg chg="modSp mod chgLayout">
-        <pc:chgData name="Weifeng Xu" userId="e7aed605-a3dd-4d5a-a692-a87037af107b" providerId="ADAL" clId="{8E5A6AEC-921D-4BE6-8002-CC8D4F2830D2}" dt="2025-04-27T15:24:07.342" v="34" actId="700"/>
-        <pc:sldMkLst>
-          <pc:docMk/>
-          <pc:sldMk cId="1325061211" sldId="256"/>
-        </pc:sldMkLst>
-        <pc:spChg chg="mod ord">
-          <ac:chgData name="Weifeng Xu" userId="e7aed605-a3dd-4d5a-a692-a87037af107b" providerId="ADAL" clId="{8E5A6AEC-921D-4BE6-8002-CC8D4F2830D2}" dt="2025-04-27T15:24:07.342" v="34" actId="700"/>
-          <ac:spMkLst>
-            <pc:docMk/>
-            <pc:sldMk cId="1325061211" sldId="256"/>
-            <ac:spMk id="2" creationId="{00000000-0000-0000-0000-000000000000}"/>
-          </ac:spMkLst>
-        </pc:spChg>
-        <pc:spChg chg="mod ord">
-          <ac:chgData name="Weifeng Xu" userId="e7aed605-a3dd-4d5a-a692-a87037af107b" providerId="ADAL" clId="{8E5A6AEC-921D-4BE6-8002-CC8D4F2830D2}" dt="2025-04-27T15:24:07.342" v="34" actId="700"/>
-          <ac:spMkLst>
-            <pc:docMk/>
-            <pc:sldMk cId="1325061211" sldId="256"/>
-            <ac:spMk id="3" creationId="{00000000-0000-0000-0000-000000000000}"/>
-          </ac:spMkLst>
-        </pc:spChg>
-      </pc:sldChg>
-      <pc:sldChg chg="del">
-        <pc:chgData name="Weifeng Xu" userId="e7aed605-a3dd-4d5a-a692-a87037af107b" providerId="ADAL" clId="{8E5A6AEC-921D-4BE6-8002-CC8D4F2830D2}" dt="2025-04-27T15:25:06.899" v="35" actId="47"/>
-        <pc:sldMkLst>
-          <pc:docMk/>
-          <pc:sldMk cId="2201572609" sldId="257"/>
-        </pc:sldMkLst>
-      </pc:sldChg>
-      <pc:sldChg chg="addSp modSp new mod">
-        <pc:chgData name="Weifeng Xu" userId="e7aed605-a3dd-4d5a-a692-a87037af107b" providerId="ADAL" clId="{8E5A6AEC-921D-4BE6-8002-CC8D4F2830D2}" dt="2025-04-27T15:43:48.595" v="157" actId="1076"/>
-        <pc:sldMkLst>
-          <pc:docMk/>
-          <pc:sldMk cId="2572427240" sldId="257"/>
-        </pc:sldMkLst>
-      </pc:sldChg>
-      <pc:sldChg chg="del">
-        <pc:chgData name="Weifeng Xu" userId="e7aed605-a3dd-4d5a-a692-a87037af107b" providerId="ADAL" clId="{8E5A6AEC-921D-4BE6-8002-CC8D4F2830D2}" dt="2025-04-27T15:25:07.244" v="36" actId="47"/>
-        <pc:sldMkLst>
-          <pc:docMk/>
-          <pc:sldMk cId="450669007" sldId="258"/>
-        </pc:sldMkLst>
-      </pc:sldChg>
-      <pc:sldChg chg="addSp delSp modSp new mod modClrScheme chgLayout">
-        <pc:chgData name="Weifeng Xu" userId="e7aed605-a3dd-4d5a-a692-a87037af107b" providerId="ADAL" clId="{8E5A6AEC-921D-4BE6-8002-CC8D4F2830D2}" dt="2025-04-27T16:01:11.569" v="507" actId="207"/>
-        <pc:sldMkLst>
-          <pc:docMk/>
-          <pc:sldMk cId="3100494254" sldId="258"/>
-        </pc:sldMkLst>
-      </pc:sldChg>
-      <pc:sldChg chg="modSp new mod">
-        <pc:chgData name="Weifeng Xu" userId="e7aed605-a3dd-4d5a-a692-a87037af107b" providerId="ADAL" clId="{8E5A6AEC-921D-4BE6-8002-CC8D4F2830D2}" dt="2025-04-27T16:03:14.809" v="520" actId="207"/>
-        <pc:sldMkLst>
-          <pc:docMk/>
-          <pc:sldMk cId="1655253961" sldId="259"/>
-        </pc:sldMkLst>
-      </pc:sldChg>
-      <pc:sldChg chg="del">
-        <pc:chgData name="Weifeng Xu" userId="e7aed605-a3dd-4d5a-a692-a87037af107b" providerId="ADAL" clId="{8E5A6AEC-921D-4BE6-8002-CC8D4F2830D2}" dt="2025-04-27T15:25:07.654" v="37" actId="47"/>
-        <pc:sldMkLst>
-          <pc:docMk/>
-          <pc:sldMk cId="3233567480" sldId="259"/>
-        </pc:sldMkLst>
-      </pc:sldChg>
-      <pc:sldChg chg="del">
-        <pc:chgData name="Weifeng Xu" userId="e7aed605-a3dd-4d5a-a692-a87037af107b" providerId="ADAL" clId="{8E5A6AEC-921D-4BE6-8002-CC8D4F2830D2}" dt="2025-04-27T15:25:09.947" v="46" actId="47"/>
-        <pc:sldMkLst>
-          <pc:docMk/>
-          <pc:sldMk cId="2715224073" sldId="260"/>
-        </pc:sldMkLst>
-      </pc:sldChg>
-      <pc:sldChg chg="modSp new mod">
-        <pc:chgData name="Weifeng Xu" userId="e7aed605-a3dd-4d5a-a692-a87037af107b" providerId="ADAL" clId="{8E5A6AEC-921D-4BE6-8002-CC8D4F2830D2}" dt="2025-04-27T16:04:14.976" v="601" actId="313"/>
-        <pc:sldMkLst>
-          <pc:docMk/>
-          <pc:sldMk cId="3375603492" sldId="260"/>
-        </pc:sldMkLst>
-      </pc:sldChg>
-      <pc:sldChg chg="modSp new mod">
-        <pc:chgData name="Weifeng Xu" userId="e7aed605-a3dd-4d5a-a692-a87037af107b" providerId="ADAL" clId="{8E5A6AEC-921D-4BE6-8002-CC8D4F2830D2}" dt="2025-04-27T16:05:14.474" v="618"/>
-        <pc:sldMkLst>
-          <pc:docMk/>
-          <pc:sldMk cId="909895920" sldId="261"/>
-        </pc:sldMkLst>
-      </pc:sldChg>
-      <pc:sldChg chg="del">
-        <pc:chgData name="Weifeng Xu" userId="e7aed605-a3dd-4d5a-a692-a87037af107b" providerId="ADAL" clId="{8E5A6AEC-921D-4BE6-8002-CC8D4F2830D2}" dt="2025-04-27T15:25:07.871" v="38" actId="47"/>
-        <pc:sldMkLst>
-          <pc:docMk/>
-          <pc:sldMk cId="1030786537" sldId="261"/>
-        </pc:sldMkLst>
-      </pc:sldChg>
-      <pc:sldChg chg="addSp delSp modSp new mod">
-        <pc:chgData name="Weifeng Xu" userId="e7aed605-a3dd-4d5a-a692-a87037af107b" providerId="ADAL" clId="{8E5A6AEC-921D-4BE6-8002-CC8D4F2830D2}" dt="2025-04-28T15:23:27.017" v="746" actId="6549"/>
-        <pc:sldMkLst>
-          <pc:docMk/>
-          <pc:sldMk cId="1010189504" sldId="262"/>
-        </pc:sldMkLst>
-      </pc:sldChg>
-      <pc:sldChg chg="del">
-        <pc:chgData name="Weifeng Xu" userId="e7aed605-a3dd-4d5a-a692-a87037af107b" providerId="ADAL" clId="{8E5A6AEC-921D-4BE6-8002-CC8D4F2830D2}" dt="2025-04-27T15:25:08.095" v="39" actId="47"/>
-        <pc:sldMkLst>
-          <pc:docMk/>
-          <pc:sldMk cId="3548515090" sldId="264"/>
-        </pc:sldMkLst>
-      </pc:sldChg>
-      <pc:sldChg chg="del">
-        <pc:chgData name="Weifeng Xu" userId="e7aed605-a3dd-4d5a-a692-a87037af107b" providerId="ADAL" clId="{8E5A6AEC-921D-4BE6-8002-CC8D4F2830D2}" dt="2025-04-27T15:25:10.434" v="47" actId="47"/>
-        <pc:sldMkLst>
-          <pc:docMk/>
-          <pc:sldMk cId="3523214092" sldId="265"/>
-        </pc:sldMkLst>
-      </pc:sldChg>
-      <pc:sldChg chg="del">
-        <pc:chgData name="Weifeng Xu" userId="e7aed605-a3dd-4d5a-a692-a87037af107b" providerId="ADAL" clId="{8E5A6AEC-921D-4BE6-8002-CC8D4F2830D2}" dt="2025-04-27T15:25:08.929" v="43" actId="47"/>
-        <pc:sldMkLst>
-          <pc:docMk/>
-          <pc:sldMk cId="756868712" sldId="266"/>
-        </pc:sldMkLst>
-      </pc:sldChg>
-      <pc:sldChg chg="del">
-        <pc:chgData name="Weifeng Xu" userId="e7aed605-a3dd-4d5a-a692-a87037af107b" providerId="ADAL" clId="{8E5A6AEC-921D-4BE6-8002-CC8D4F2830D2}" dt="2025-04-27T15:25:09.145" v="44" actId="47"/>
-        <pc:sldMkLst>
-          <pc:docMk/>
-          <pc:sldMk cId="2973990778" sldId="267"/>
-        </pc:sldMkLst>
-      </pc:sldChg>
-      <pc:sldChg chg="del">
-        <pc:chgData name="Weifeng Xu" userId="e7aed605-a3dd-4d5a-a692-a87037af107b" providerId="ADAL" clId="{8E5A6AEC-921D-4BE6-8002-CC8D4F2830D2}" dt="2025-04-27T15:25:09.362" v="45" actId="47"/>
-        <pc:sldMkLst>
-          <pc:docMk/>
-          <pc:sldMk cId="2042884208" sldId="268"/>
-        </pc:sldMkLst>
-      </pc:sldChg>
-      <pc:sldChg chg="del">
-        <pc:chgData name="Weifeng Xu" userId="e7aed605-a3dd-4d5a-a692-a87037af107b" providerId="ADAL" clId="{8E5A6AEC-921D-4BE6-8002-CC8D4F2830D2}" dt="2025-04-27T15:25:08.271" v="40" actId="47"/>
-        <pc:sldMkLst>
-          <pc:docMk/>
-          <pc:sldMk cId="3256057421" sldId="269"/>
-        </pc:sldMkLst>
-      </pc:sldChg>
-      <pc:sldChg chg="del">
-        <pc:chgData name="Weifeng Xu" userId="e7aed605-a3dd-4d5a-a692-a87037af107b" providerId="ADAL" clId="{8E5A6AEC-921D-4BE6-8002-CC8D4F2830D2}" dt="2025-04-27T15:25:08.466" v="41" actId="47"/>
-        <pc:sldMkLst>
-          <pc:docMk/>
-          <pc:sldMk cId="146876777" sldId="270"/>
-        </pc:sldMkLst>
-      </pc:sldChg>
-      <pc:sldChg chg="del">
-        <pc:chgData name="Weifeng Xu" userId="e7aed605-a3dd-4d5a-a692-a87037af107b" providerId="ADAL" clId="{8E5A6AEC-921D-4BE6-8002-CC8D4F2830D2}" dt="2025-04-27T15:25:08.686" v="42" actId="47"/>
-        <pc:sldMkLst>
-          <pc:docMk/>
-          <pc:sldMk cId="1939243851" sldId="271"/>
-        </pc:sldMkLst>
-      </pc:sldChg>
-      <pc:sldChg chg="del">
-        <pc:chgData name="Weifeng Xu" userId="e7aed605-a3dd-4d5a-a692-a87037af107b" providerId="ADAL" clId="{8E5A6AEC-921D-4BE6-8002-CC8D4F2830D2}" dt="2025-04-27T15:25:11.096" v="48" actId="47"/>
-        <pc:sldMkLst>
-          <pc:docMk/>
-          <pc:sldMk cId="2238745649" sldId="272"/>
-        </pc:sldMkLst>
-      </pc:sldChg>
-    </pc:docChg>
-  </pc:docChgLst>
-  <pc:docChgLst>
-    <pc:chgData name="Weifeng Xu" userId="e7aed605-a3dd-4d5a-a692-a87037af107b" providerId="ADAL" clId="{781DD69C-B3C3-4AA3-A094-E5C237C15CAE}"/>
-    <pc:docChg chg="delSld">
-      <pc:chgData name="Weifeng Xu" userId="e7aed605-a3dd-4d5a-a692-a87037af107b" providerId="ADAL" clId="{781DD69C-B3C3-4AA3-A094-E5C237C15CAE}" dt="2025-04-26T15:34:37.721" v="1" actId="47"/>
-      <pc:docMkLst>
-        <pc:docMk/>
-      </pc:docMkLst>
-      <pc:sldChg chg="del">
-        <pc:chgData name="Weifeng Xu" userId="e7aed605-a3dd-4d5a-a692-a87037af107b" providerId="ADAL" clId="{781DD69C-B3C3-4AA3-A094-E5C237C15CAE}" dt="2025-04-26T15:34:36.333" v="0" actId="47"/>
-        <pc:sldMkLst>
-          <pc:docMk/>
-          <pc:sldMk cId="3284022864" sldId="262"/>
-        </pc:sldMkLst>
-      </pc:sldChg>
-      <pc:sldChg chg="del">
-        <pc:chgData name="Weifeng Xu" userId="e7aed605-a3dd-4d5a-a692-a87037af107b" providerId="ADAL" clId="{781DD69C-B3C3-4AA3-A094-E5C237C15CAE}" dt="2025-04-26T15:34:37.721" v="1" actId="47"/>
-        <pc:sldMkLst>
-          <pc:docMk/>
-          <pc:sldMk cId="786756272" sldId="263"/>
-        </pc:sldMkLst>
-      </pc:sldChg>
-    </pc:docChg>
-  </pc:docChgLst>
-  <pc:docChgLst>
-    <pc:chgData name="Weifeng Xu" userId="e7aed605-a3dd-4d5a-a692-a87037af107b" providerId="ADAL" clId="{30C724EF-4842-4D28-AD5E-F8ADBCCE7FC4}"/>
-    <pc:docChg chg="undo custSel addSld delSld modSld">
-      <pc:chgData name="Weifeng Xu" userId="e7aed605-a3dd-4d5a-a692-a87037af107b" providerId="ADAL" clId="{30C724EF-4842-4D28-AD5E-F8ADBCCE7FC4}" dt="2025-05-22T20:21:24.936" v="258" actId="27636"/>
-      <pc:docMkLst>
-        <pc:docMk/>
-      </pc:docMkLst>
-      <pc:sldChg chg="delSp modSp mod">
-        <pc:chgData name="Weifeng Xu" userId="e7aed605-a3dd-4d5a-a692-a87037af107b" providerId="ADAL" clId="{30C724EF-4842-4D28-AD5E-F8ADBCCE7FC4}" dt="2025-05-02T14:27:30.559" v="26" actId="6549"/>
-        <pc:sldMkLst>
-          <pc:docMk/>
-          <pc:sldMk cId="1325061211" sldId="256"/>
-        </pc:sldMkLst>
-        <pc:spChg chg="mod">
-          <ac:chgData name="Weifeng Xu" userId="e7aed605-a3dd-4d5a-a692-a87037af107b" providerId="ADAL" clId="{30C724EF-4842-4D28-AD5E-F8ADBCCE7FC4}" dt="2025-05-02T14:26:53.935" v="23" actId="6549"/>
-          <ac:spMkLst>
-            <pc:docMk/>
-            <pc:sldMk cId="1325061211" sldId="256"/>
-            <ac:spMk id="2" creationId="{00000000-0000-0000-0000-000000000000}"/>
-          </ac:spMkLst>
-        </pc:spChg>
-        <pc:spChg chg="mod">
-          <ac:chgData name="Weifeng Xu" userId="e7aed605-a3dd-4d5a-a692-a87037af107b" providerId="ADAL" clId="{30C724EF-4842-4D28-AD5E-F8ADBCCE7FC4}" dt="2025-05-02T14:27:30.559" v="26" actId="6549"/>
-          <ac:spMkLst>
-            <pc:docMk/>
-            <pc:sldMk cId="1325061211" sldId="256"/>
-            <ac:spMk id="3" creationId="{00000000-0000-0000-0000-000000000000}"/>
-          </ac:spMkLst>
-        </pc:spChg>
-      </pc:sldChg>
-      <pc:sldChg chg="modSp new mod">
-        <pc:chgData name="Weifeng Xu" userId="e7aed605-a3dd-4d5a-a692-a87037af107b" providerId="ADAL" clId="{30C724EF-4842-4D28-AD5E-F8ADBCCE7FC4}" dt="2025-05-02T14:27:48.979" v="28"/>
-        <pc:sldMkLst>
-          <pc:docMk/>
-          <pc:sldMk cId="1640287784" sldId="257"/>
-        </pc:sldMkLst>
-        <pc:spChg chg="mod">
-          <ac:chgData name="Weifeng Xu" userId="e7aed605-a3dd-4d5a-a692-a87037af107b" providerId="ADAL" clId="{30C724EF-4842-4D28-AD5E-F8ADBCCE7FC4}" dt="2025-05-02T14:27:41.468" v="27"/>
-          <ac:spMkLst>
-            <pc:docMk/>
-            <pc:sldMk cId="1640287784" sldId="257"/>
-            <ac:spMk id="2" creationId="{D5872EB5-8AC7-758B-04BB-0409873AD729}"/>
-          </ac:spMkLst>
-        </pc:spChg>
-        <pc:spChg chg="mod">
-          <ac:chgData name="Weifeng Xu" userId="e7aed605-a3dd-4d5a-a692-a87037af107b" providerId="ADAL" clId="{30C724EF-4842-4D28-AD5E-F8ADBCCE7FC4}" dt="2025-05-02T14:27:48.979" v="28"/>
-          <ac:spMkLst>
-            <pc:docMk/>
-            <pc:sldMk cId="1640287784" sldId="257"/>
-            <ac:spMk id="3" creationId="{3F18508C-4CCB-C0D8-5A5A-B186FAAA1DC4}"/>
-          </ac:spMkLst>
-        </pc:spChg>
-      </pc:sldChg>
-      <pc:sldChg chg="del">
-        <pc:chgData name="Weifeng Xu" userId="e7aed605-a3dd-4d5a-a692-a87037af107b" providerId="ADAL" clId="{30C724EF-4842-4D28-AD5E-F8ADBCCE7FC4}" dt="2025-05-02T14:26:32.787" v="0" actId="47"/>
-        <pc:sldMkLst>
-          <pc:docMk/>
-          <pc:sldMk cId="2003605107" sldId="257"/>
-        </pc:sldMkLst>
-      </pc:sldChg>
-      <pc:sldChg chg="modSp new mod">
-        <pc:chgData name="Weifeng Xu" userId="e7aed605-a3dd-4d5a-a692-a87037af107b" providerId="ADAL" clId="{30C724EF-4842-4D28-AD5E-F8ADBCCE7FC4}" dt="2025-05-02T14:31:22.834" v="56" actId="108"/>
-        <pc:sldMkLst>
-          <pc:docMk/>
-          <pc:sldMk cId="717681411" sldId="258"/>
-        </pc:sldMkLst>
-        <pc:spChg chg="mod">
-          <ac:chgData name="Weifeng Xu" userId="e7aed605-a3dd-4d5a-a692-a87037af107b" providerId="ADAL" clId="{30C724EF-4842-4D28-AD5E-F8ADBCCE7FC4}" dt="2025-05-02T14:31:22.834" v="56" actId="108"/>
-          <ac:spMkLst>
-            <pc:docMk/>
-            <pc:sldMk cId="717681411" sldId="258"/>
-            <ac:spMk id="2" creationId="{97E234DB-4DC9-8DB6-0C81-5516DBC7D43B}"/>
-          </ac:spMkLst>
-        </pc:spChg>
-        <pc:spChg chg="mod">
-          <ac:chgData name="Weifeng Xu" userId="e7aed605-a3dd-4d5a-a692-a87037af107b" providerId="ADAL" clId="{30C724EF-4842-4D28-AD5E-F8ADBCCE7FC4}" dt="2025-05-02T14:28:15.654" v="33" actId="20577"/>
-          <ac:spMkLst>
-            <pc:docMk/>
-            <pc:sldMk cId="717681411" sldId="258"/>
-            <ac:spMk id="3" creationId="{D5B32E51-2D31-652A-ECD0-EBE42C7C1A91}"/>
-          </ac:spMkLst>
-        </pc:spChg>
-      </pc:sldChg>
-      <pc:sldChg chg="del">
-        <pc:chgData name="Weifeng Xu" userId="e7aed605-a3dd-4d5a-a692-a87037af107b" providerId="ADAL" clId="{30C724EF-4842-4D28-AD5E-F8ADBCCE7FC4}" dt="2025-05-02T14:26:32.949" v="1" actId="47"/>
-        <pc:sldMkLst>
-          <pc:docMk/>
-          <pc:sldMk cId="3148078500" sldId="258"/>
-        </pc:sldMkLst>
-      </pc:sldChg>
-      <pc:sldChg chg="del">
-        <pc:chgData name="Weifeng Xu" userId="e7aed605-a3dd-4d5a-a692-a87037af107b" providerId="ADAL" clId="{30C724EF-4842-4D28-AD5E-F8ADBCCE7FC4}" dt="2025-05-02T14:26:33.102" v="2" actId="47"/>
-        <pc:sldMkLst>
-          <pc:docMk/>
-          <pc:sldMk cId="2942233055" sldId="259"/>
-        </pc:sldMkLst>
-      </pc:sldChg>
-      <pc:sldChg chg="modSp new mod">
-        <pc:chgData name="Weifeng Xu" userId="e7aed605-a3dd-4d5a-a692-a87037af107b" providerId="ADAL" clId="{30C724EF-4842-4D28-AD5E-F8ADBCCE7FC4}" dt="2025-05-02T14:31:19.127" v="55" actId="108"/>
-        <pc:sldMkLst>
-          <pc:docMk/>
-          <pc:sldMk cId="3856045583" sldId="259"/>
-        </pc:sldMkLst>
-        <pc:spChg chg="mod">
-          <ac:chgData name="Weifeng Xu" userId="e7aed605-a3dd-4d5a-a692-a87037af107b" providerId="ADAL" clId="{30C724EF-4842-4D28-AD5E-F8ADBCCE7FC4}" dt="2025-05-02T14:31:19.127" v="55" actId="108"/>
-          <ac:spMkLst>
-            <pc:docMk/>
-            <pc:sldMk cId="3856045583" sldId="259"/>
-            <ac:spMk id="2" creationId="{34D10492-63FD-8A9D-0E81-77319D076F6A}"/>
-          </ac:spMkLst>
-        </pc:spChg>
-        <pc:spChg chg="mod">
-          <ac:chgData name="Weifeng Xu" userId="e7aed605-a3dd-4d5a-a692-a87037af107b" providerId="ADAL" clId="{30C724EF-4842-4D28-AD5E-F8ADBCCE7FC4}" dt="2025-05-02T14:28:58.055" v="36"/>
-          <ac:spMkLst>
-            <pc:docMk/>
-            <pc:sldMk cId="3856045583" sldId="259"/>
-            <ac:spMk id="3" creationId="{5694D4D4-5C71-8BBD-E021-77BB34586E68}"/>
-          </ac:spMkLst>
-        </pc:spChg>
-      </pc:sldChg>
-      <pc:sldChg chg="addSp delSp modSp new mod modClrScheme chgLayout">
-        <pc:chgData name="Weifeng Xu" userId="e7aed605-a3dd-4d5a-a692-a87037af107b" providerId="ADAL" clId="{30C724EF-4842-4D28-AD5E-F8ADBCCE7FC4}" dt="2025-05-22T20:19:44.453" v="225" actId="14100"/>
-        <pc:sldMkLst>
-          <pc:docMk/>
-          <pc:sldMk cId="1123301564" sldId="260"/>
-        </pc:sldMkLst>
-        <pc:spChg chg="mod">
-          <ac:chgData name="Weifeng Xu" userId="e7aed605-a3dd-4d5a-a692-a87037af107b" providerId="ADAL" clId="{30C724EF-4842-4D28-AD5E-F8ADBCCE7FC4}" dt="2025-05-22T20:19:17.588" v="218" actId="26606"/>
-          <ac:spMkLst>
-            <pc:docMk/>
-            <pc:sldMk cId="1123301564" sldId="260"/>
-            <ac:spMk id="2" creationId="{1A5EF974-3F97-0D92-C572-38F808BD0F9B}"/>
-          </ac:spMkLst>
-        </pc:spChg>
-        <pc:spChg chg="mod">
-          <ac:chgData name="Weifeng Xu" userId="e7aed605-a3dd-4d5a-a692-a87037af107b" providerId="ADAL" clId="{30C724EF-4842-4D28-AD5E-F8ADBCCE7FC4}" dt="2025-05-22T20:19:20.427" v="220" actId="27636"/>
-          <ac:spMkLst>
-            <pc:docMk/>
-            <pc:sldMk cId="1123301564" sldId="260"/>
-            <ac:spMk id="3" creationId="{47B05E4A-7278-F4F3-0E91-56300A2375FC}"/>
-          </ac:spMkLst>
-        </pc:spChg>
-        <pc:picChg chg="add mod">
-          <ac:chgData name="Weifeng Xu" userId="e7aed605-a3dd-4d5a-a692-a87037af107b" providerId="ADAL" clId="{30C724EF-4842-4D28-AD5E-F8ADBCCE7FC4}" dt="2025-05-22T20:19:25.413" v="222" actId="1076"/>
-          <ac:picMkLst>
-            <pc:docMk/>
-            <pc:sldMk cId="1123301564" sldId="260"/>
-            <ac:picMk id="4" creationId="{3CD39D91-B91A-655F-C9B4-E6CFEADED1E6}"/>
-          </ac:picMkLst>
-        </pc:picChg>
-        <pc:picChg chg="add del mod modCrop">
-          <ac:chgData name="Weifeng Xu" userId="e7aed605-a3dd-4d5a-a692-a87037af107b" providerId="ADAL" clId="{30C724EF-4842-4D28-AD5E-F8ADBCCE7FC4}" dt="2025-05-22T20:18:55.975" v="212" actId="478"/>
-          <ac:picMkLst>
-            <pc:docMk/>
-            <pc:sldMk cId="1123301564" sldId="260"/>
-            <ac:picMk id="5" creationId="{C9283F90-D440-3130-5B88-27E7B23BE9ED}"/>
-          </ac:picMkLst>
-        </pc:picChg>
-        <pc:cxnChg chg="add mod">
-          <ac:chgData name="Weifeng Xu" userId="e7aed605-a3dd-4d5a-a692-a87037af107b" providerId="ADAL" clId="{30C724EF-4842-4D28-AD5E-F8ADBCCE7FC4}" dt="2025-05-22T20:19:44.453" v="225" actId="14100"/>
-          <ac:cxnSpMkLst>
-            <pc:docMk/>
-            <pc:sldMk cId="1123301564" sldId="260"/>
-            <ac:cxnSpMk id="7" creationId="{3CF8EF30-A3B6-523C-B770-7F69DFE68815}"/>
-          </ac:cxnSpMkLst>
-        </pc:cxnChg>
-      </pc:sldChg>
-      <pc:sldChg chg="del">
-        <pc:chgData name="Weifeng Xu" userId="e7aed605-a3dd-4d5a-a692-a87037af107b" providerId="ADAL" clId="{30C724EF-4842-4D28-AD5E-F8ADBCCE7FC4}" dt="2025-05-02T14:26:33.278" v="3" actId="47"/>
-        <pc:sldMkLst>
-          <pc:docMk/>
-          <pc:sldMk cId="4238292093" sldId="260"/>
-        </pc:sldMkLst>
-      </pc:sldChg>
-      <pc:sldChg chg="del">
-        <pc:chgData name="Weifeng Xu" userId="e7aed605-a3dd-4d5a-a692-a87037af107b" providerId="ADAL" clId="{30C724EF-4842-4D28-AD5E-F8ADBCCE7FC4}" dt="2025-05-02T14:26:33.438" v="4" actId="47"/>
-        <pc:sldMkLst>
-          <pc:docMk/>
-          <pc:sldMk cId="773548588" sldId="261"/>
-        </pc:sldMkLst>
-      </pc:sldChg>
-      <pc:sldChg chg="modSp new mod">
-        <pc:chgData name="Weifeng Xu" userId="e7aed605-a3dd-4d5a-a692-a87037af107b" providerId="ADAL" clId="{30C724EF-4842-4D28-AD5E-F8ADBCCE7FC4}" dt="2025-05-02T14:31:40.332" v="59" actId="20577"/>
-        <pc:sldMkLst>
-          <pc:docMk/>
-          <pc:sldMk cId="805984163" sldId="261"/>
-        </pc:sldMkLst>
-        <pc:spChg chg="mod">
-          <ac:chgData name="Weifeng Xu" userId="e7aed605-a3dd-4d5a-a692-a87037af107b" providerId="ADAL" clId="{30C724EF-4842-4D28-AD5E-F8ADBCCE7FC4}" dt="2025-05-02T14:31:09.580" v="53"/>
-          <ac:spMkLst>
-            <pc:docMk/>
-            <pc:sldMk cId="805984163" sldId="261"/>
-            <ac:spMk id="2" creationId="{22F4E845-2C82-0F6A-CCBA-7AB4DB8FAF23}"/>
-          </ac:spMkLst>
-        </pc:spChg>
-        <pc:spChg chg="mod">
-          <ac:chgData name="Weifeng Xu" userId="e7aed605-a3dd-4d5a-a692-a87037af107b" providerId="ADAL" clId="{30C724EF-4842-4D28-AD5E-F8ADBCCE7FC4}" dt="2025-05-02T14:31:40.332" v="59" actId="20577"/>
-          <ac:spMkLst>
-            <pc:docMk/>
-            <pc:sldMk cId="805984163" sldId="261"/>
-            <ac:spMk id="3" creationId="{6E1CABE2-6BEB-59B3-B43B-DEDAF7D81409}"/>
-          </ac:spMkLst>
-        </pc:spChg>
-      </pc:sldChg>
-      <pc:sldChg chg="modSp new mod">
-        <pc:chgData name="Weifeng Xu" userId="e7aed605-a3dd-4d5a-a692-a87037af107b" providerId="ADAL" clId="{30C724EF-4842-4D28-AD5E-F8ADBCCE7FC4}" dt="2025-05-02T14:32:29.484" v="64"/>
-        <pc:sldMkLst>
-          <pc:docMk/>
-          <pc:sldMk cId="914522820" sldId="262"/>
-        </pc:sldMkLst>
-        <pc:spChg chg="mod">
-          <ac:chgData name="Weifeng Xu" userId="e7aed605-a3dd-4d5a-a692-a87037af107b" providerId="ADAL" clId="{30C724EF-4842-4D28-AD5E-F8ADBCCE7FC4}" dt="2025-05-02T14:32:23.907" v="63"/>
-          <ac:spMkLst>
-            <pc:docMk/>
-            <pc:sldMk cId="914522820" sldId="262"/>
-            <ac:spMk id="2" creationId="{AE412169-E0B8-7BCB-63E8-B70134D68751}"/>
-          </ac:spMkLst>
-        </pc:spChg>
-        <pc:spChg chg="mod">
-          <ac:chgData name="Weifeng Xu" userId="e7aed605-a3dd-4d5a-a692-a87037af107b" providerId="ADAL" clId="{30C724EF-4842-4D28-AD5E-F8ADBCCE7FC4}" dt="2025-05-02T14:32:29.484" v="64"/>
-          <ac:spMkLst>
-            <pc:docMk/>
-            <pc:sldMk cId="914522820" sldId="262"/>
-            <ac:spMk id="3" creationId="{D2E67B60-FA13-8A98-4451-BAC4FD098743}"/>
-          </ac:spMkLst>
-        </pc:spChg>
-      </pc:sldChg>
-      <pc:sldChg chg="del">
-        <pc:chgData name="Weifeng Xu" userId="e7aed605-a3dd-4d5a-a692-a87037af107b" providerId="ADAL" clId="{30C724EF-4842-4D28-AD5E-F8ADBCCE7FC4}" dt="2025-05-02T14:26:33.690" v="5" actId="47"/>
-        <pc:sldMkLst>
-          <pc:docMk/>
-          <pc:sldMk cId="3939068785" sldId="262"/>
-        </pc:sldMkLst>
-      </pc:sldChg>
-      <pc:sldChg chg="del">
-        <pc:chgData name="Weifeng Xu" userId="e7aed605-a3dd-4d5a-a692-a87037af107b" providerId="ADAL" clId="{30C724EF-4842-4D28-AD5E-F8ADBCCE7FC4}" dt="2025-05-02T14:26:33.878" v="6" actId="47"/>
-        <pc:sldMkLst>
-          <pc:docMk/>
-          <pc:sldMk cId="2162073066" sldId="263"/>
-        </pc:sldMkLst>
-      </pc:sldChg>
-      <pc:sldChg chg="modSp new mod">
-        <pc:chgData name="Weifeng Xu" userId="e7aed605-a3dd-4d5a-a692-a87037af107b" providerId="ADAL" clId="{30C724EF-4842-4D28-AD5E-F8ADBCCE7FC4}" dt="2025-05-02T14:32:55.778" v="67"/>
-        <pc:sldMkLst>
-          <pc:docMk/>
-          <pc:sldMk cId="3784490461" sldId="263"/>
-        </pc:sldMkLst>
-        <pc:spChg chg="mod">
-          <ac:chgData name="Weifeng Xu" userId="e7aed605-a3dd-4d5a-a692-a87037af107b" providerId="ADAL" clId="{30C724EF-4842-4D28-AD5E-F8ADBCCE7FC4}" dt="2025-05-02T14:32:49.451" v="66"/>
-          <ac:spMkLst>
-            <pc:docMk/>
-            <pc:sldMk cId="3784490461" sldId="263"/>
-            <ac:spMk id="2" creationId="{17A1E9EA-3188-F6FE-7169-7880E7BB0AEC}"/>
-          </ac:spMkLst>
-        </pc:spChg>
-        <pc:spChg chg="mod">
-          <ac:chgData name="Weifeng Xu" userId="e7aed605-a3dd-4d5a-a692-a87037af107b" providerId="ADAL" clId="{30C724EF-4842-4D28-AD5E-F8ADBCCE7FC4}" dt="2025-05-02T14:32:55.778" v="67"/>
-          <ac:spMkLst>
-            <pc:docMk/>
-            <pc:sldMk cId="3784490461" sldId="263"/>
-            <ac:spMk id="3" creationId="{C6092818-8797-D095-7FB1-752C788E5E03}"/>
-          </ac:spMkLst>
-        </pc:spChg>
-      </pc:sldChg>
-      <pc:sldChg chg="modSp new mod">
-        <pc:chgData name="Weifeng Xu" userId="e7aed605-a3dd-4d5a-a692-a87037af107b" providerId="ADAL" clId="{30C724EF-4842-4D28-AD5E-F8ADBCCE7FC4}" dt="2025-05-02T14:34:02.101" v="70"/>
-        <pc:sldMkLst>
-          <pc:docMk/>
-          <pc:sldMk cId="1859847628" sldId="264"/>
-        </pc:sldMkLst>
-        <pc:spChg chg="mod">
-          <ac:chgData name="Weifeng Xu" userId="e7aed605-a3dd-4d5a-a692-a87037af107b" providerId="ADAL" clId="{30C724EF-4842-4D28-AD5E-F8ADBCCE7FC4}" dt="2025-05-02T14:33:53.378" v="69"/>
-          <ac:spMkLst>
-            <pc:docMk/>
-            <pc:sldMk cId="1859847628" sldId="264"/>
-            <ac:spMk id="2" creationId="{6D4F43EA-2007-B207-DD77-15D8A22C55FE}"/>
-          </ac:spMkLst>
-        </pc:spChg>
-        <pc:spChg chg="mod">
-          <ac:chgData name="Weifeng Xu" userId="e7aed605-a3dd-4d5a-a692-a87037af107b" providerId="ADAL" clId="{30C724EF-4842-4D28-AD5E-F8ADBCCE7FC4}" dt="2025-05-02T14:34:02.101" v="70"/>
-          <ac:spMkLst>
-            <pc:docMk/>
-            <pc:sldMk cId="1859847628" sldId="264"/>
-            <ac:spMk id="3" creationId="{B554FC04-768B-6611-B3C3-72F571FD329D}"/>
-          </ac:spMkLst>
-        </pc:spChg>
-      </pc:sldChg>
-      <pc:sldChg chg="del">
-        <pc:chgData name="Weifeng Xu" userId="e7aed605-a3dd-4d5a-a692-a87037af107b" providerId="ADAL" clId="{30C724EF-4842-4D28-AD5E-F8ADBCCE7FC4}" dt="2025-05-02T14:26:34.055" v="7" actId="47"/>
-        <pc:sldMkLst>
-          <pc:docMk/>
-          <pc:sldMk cId="1975365164" sldId="264"/>
-        </pc:sldMkLst>
-      </pc:sldChg>
-      <pc:sldChg chg="modSp new mod">
-        <pc:chgData name="Weifeng Xu" userId="e7aed605-a3dd-4d5a-a692-a87037af107b" providerId="ADAL" clId="{30C724EF-4842-4D28-AD5E-F8ADBCCE7FC4}" dt="2025-05-02T14:36:37.939" v="73"/>
-        <pc:sldMkLst>
-          <pc:docMk/>
-          <pc:sldMk cId="2875748899" sldId="265"/>
-        </pc:sldMkLst>
-        <pc:spChg chg="mod">
-          <ac:chgData name="Weifeng Xu" userId="e7aed605-a3dd-4d5a-a692-a87037af107b" providerId="ADAL" clId="{30C724EF-4842-4D28-AD5E-F8ADBCCE7FC4}" dt="2025-05-02T14:36:30.993" v="72"/>
-          <ac:spMkLst>
-            <pc:docMk/>
-            <pc:sldMk cId="2875748899" sldId="265"/>
-            <ac:spMk id="2" creationId="{AEEC6A4F-D611-9574-251F-6F3AC3DF26C2}"/>
-          </ac:spMkLst>
-        </pc:spChg>
-        <pc:spChg chg="mod">
-          <ac:chgData name="Weifeng Xu" userId="e7aed605-a3dd-4d5a-a692-a87037af107b" providerId="ADAL" clId="{30C724EF-4842-4D28-AD5E-F8ADBCCE7FC4}" dt="2025-05-02T14:36:37.939" v="73"/>
-          <ac:spMkLst>
-            <pc:docMk/>
-            <pc:sldMk cId="2875748899" sldId="265"/>
-            <ac:spMk id="3" creationId="{E61BBA5C-A936-54DA-58F7-34C3DCDD3474}"/>
-          </ac:spMkLst>
-        </pc:spChg>
-      </pc:sldChg>
-      <pc:sldChg chg="del">
-        <pc:chgData name="Weifeng Xu" userId="e7aed605-a3dd-4d5a-a692-a87037af107b" providerId="ADAL" clId="{30C724EF-4842-4D28-AD5E-F8ADBCCE7FC4}" dt="2025-05-02T14:26:34.218" v="8" actId="47"/>
-        <pc:sldMkLst>
-          <pc:docMk/>
-          <pc:sldMk cId="4163382801" sldId="265"/>
-        </pc:sldMkLst>
-      </pc:sldChg>
-      <pc:sldChg chg="del">
-        <pc:chgData name="Weifeng Xu" userId="e7aed605-a3dd-4d5a-a692-a87037af107b" providerId="ADAL" clId="{30C724EF-4842-4D28-AD5E-F8ADBCCE7FC4}" dt="2025-05-02T14:26:35.006" v="12" actId="47"/>
-        <pc:sldMkLst>
-          <pc:docMk/>
-          <pc:sldMk cId="711940281" sldId="266"/>
-        </pc:sldMkLst>
-      </pc:sldChg>
-      <pc:sldChg chg="modSp new mod">
-        <pc:chgData name="Weifeng Xu" userId="e7aed605-a3dd-4d5a-a692-a87037af107b" providerId="ADAL" clId="{30C724EF-4842-4D28-AD5E-F8ADBCCE7FC4}" dt="2025-05-02T14:37:14.713" v="77" actId="27636"/>
-        <pc:sldMkLst>
-          <pc:docMk/>
-          <pc:sldMk cId="3455260336" sldId="266"/>
-        </pc:sldMkLst>
-        <pc:spChg chg="mod">
-          <ac:chgData name="Weifeng Xu" userId="e7aed605-a3dd-4d5a-a692-a87037af107b" providerId="ADAL" clId="{30C724EF-4842-4D28-AD5E-F8ADBCCE7FC4}" dt="2025-05-02T14:37:05.825" v="75"/>
-          <ac:spMkLst>
-            <pc:docMk/>
-            <pc:sldMk cId="3455260336" sldId="266"/>
-            <ac:spMk id="2" creationId="{DBF015FC-B1F2-B4B0-60C2-8F9C3DABCCD5}"/>
-          </ac:spMkLst>
-        </pc:spChg>
-        <pc:spChg chg="mod">
-          <ac:chgData name="Weifeng Xu" userId="e7aed605-a3dd-4d5a-a692-a87037af107b" providerId="ADAL" clId="{30C724EF-4842-4D28-AD5E-F8ADBCCE7FC4}" dt="2025-05-02T14:37:14.713" v="77" actId="27636"/>
-          <ac:spMkLst>
-            <pc:docMk/>
-            <pc:sldMk cId="3455260336" sldId="266"/>
-            <ac:spMk id="3" creationId="{60862988-BD44-4FD7-388D-DF9A4FD9B2C7}"/>
-          </ac:spMkLst>
-        </pc:spChg>
-      </pc:sldChg>
-      <pc:sldChg chg="modSp new mod">
-        <pc:chgData name="Weifeng Xu" userId="e7aed605-a3dd-4d5a-a692-a87037af107b" providerId="ADAL" clId="{30C724EF-4842-4D28-AD5E-F8ADBCCE7FC4}" dt="2025-05-02T14:37:38.176" v="80"/>
-        <pc:sldMkLst>
-          <pc:docMk/>
-          <pc:sldMk cId="2341961951" sldId="267"/>
-        </pc:sldMkLst>
-        <pc:spChg chg="mod">
-          <ac:chgData name="Weifeng Xu" userId="e7aed605-a3dd-4d5a-a692-a87037af107b" providerId="ADAL" clId="{30C724EF-4842-4D28-AD5E-F8ADBCCE7FC4}" dt="2025-05-02T14:37:29.504" v="79"/>
-          <ac:spMkLst>
-            <pc:docMk/>
-            <pc:sldMk cId="2341961951" sldId="267"/>
-            <ac:spMk id="2" creationId="{F44A41A8-8B60-C80A-E031-ABC24E660D60}"/>
-          </ac:spMkLst>
-        </pc:spChg>
-        <pc:spChg chg="mod">
-          <ac:chgData name="Weifeng Xu" userId="e7aed605-a3dd-4d5a-a692-a87037af107b" providerId="ADAL" clId="{30C724EF-4842-4D28-AD5E-F8ADBCCE7FC4}" dt="2025-05-02T14:37:38.176" v="80"/>
-          <ac:spMkLst>
-            <pc:docMk/>
-            <pc:sldMk cId="2341961951" sldId="267"/>
-            <ac:spMk id="3" creationId="{0B4B4BEE-8EA8-0445-A2CA-FC8DAEB1AACB}"/>
-          </ac:spMkLst>
-        </pc:spChg>
-      </pc:sldChg>
-      <pc:sldChg chg="del">
-        <pc:chgData name="Weifeng Xu" userId="e7aed605-a3dd-4d5a-a692-a87037af107b" providerId="ADAL" clId="{30C724EF-4842-4D28-AD5E-F8ADBCCE7FC4}" dt="2025-05-02T14:26:35.227" v="13" actId="47"/>
-        <pc:sldMkLst>
-          <pc:docMk/>
-          <pc:sldMk cId="3000902119" sldId="267"/>
-        </pc:sldMkLst>
-      </pc:sldChg>
-      <pc:sldChg chg="del">
-        <pc:chgData name="Weifeng Xu" userId="e7aed605-a3dd-4d5a-a692-a87037af107b" providerId="ADAL" clId="{30C724EF-4842-4D28-AD5E-F8ADBCCE7FC4}" dt="2025-05-02T14:26:35.390" v="14" actId="47"/>
-        <pc:sldMkLst>
-          <pc:docMk/>
-          <pc:sldMk cId="70125468" sldId="268"/>
-        </pc:sldMkLst>
-      </pc:sldChg>
-      <pc:sldChg chg="modSp new mod">
-        <pc:chgData name="Weifeng Xu" userId="e7aed605-a3dd-4d5a-a692-a87037af107b" providerId="ADAL" clId="{30C724EF-4842-4D28-AD5E-F8ADBCCE7FC4}" dt="2025-05-02T14:38:19.021" v="83"/>
-        <pc:sldMkLst>
-          <pc:docMk/>
-          <pc:sldMk cId="1430309032" sldId="268"/>
-        </pc:sldMkLst>
-        <pc:spChg chg="mod">
-          <ac:chgData name="Weifeng Xu" userId="e7aed605-a3dd-4d5a-a692-a87037af107b" providerId="ADAL" clId="{30C724EF-4842-4D28-AD5E-F8ADBCCE7FC4}" dt="2025-05-02T14:38:10.250" v="82"/>
-          <ac:spMkLst>
-            <pc:docMk/>
-            <pc:sldMk cId="1430309032" sldId="268"/>
-            <ac:spMk id="2" creationId="{D2F2FF6F-00D3-1624-6EC5-F5E7606BEEE1}"/>
-          </ac:spMkLst>
-        </pc:spChg>
-        <pc:spChg chg="mod">
-          <ac:chgData name="Weifeng Xu" userId="e7aed605-a3dd-4d5a-a692-a87037af107b" providerId="ADAL" clId="{30C724EF-4842-4D28-AD5E-F8ADBCCE7FC4}" dt="2025-05-02T14:38:19.021" v="83"/>
-          <ac:spMkLst>
-            <pc:docMk/>
-            <pc:sldMk cId="1430309032" sldId="268"/>
-            <ac:spMk id="3" creationId="{CF0C2084-EEC0-5496-A844-1C0497D66B0D}"/>
-          </ac:spMkLst>
-        </pc:spChg>
-      </pc:sldChg>
-      <pc:sldChg chg="del">
-        <pc:chgData name="Weifeng Xu" userId="e7aed605-a3dd-4d5a-a692-a87037af107b" providerId="ADAL" clId="{30C724EF-4842-4D28-AD5E-F8ADBCCE7FC4}" dt="2025-05-02T14:26:38.233" v="19" actId="47"/>
-        <pc:sldMkLst>
-          <pc:docMk/>
-          <pc:sldMk cId="1829157120" sldId="269"/>
-        </pc:sldMkLst>
-      </pc:sldChg>
-      <pc:sldChg chg="addSp delSp modSp new mod modClrScheme chgLayout">
-        <pc:chgData name="Weifeng Xu" userId="e7aed605-a3dd-4d5a-a692-a87037af107b" providerId="ADAL" clId="{30C724EF-4842-4D28-AD5E-F8ADBCCE7FC4}" dt="2025-05-08T01:41:16.952" v="194" actId="21"/>
-        <pc:sldMkLst>
-          <pc:docMk/>
-          <pc:sldMk cId="2476079575" sldId="269"/>
-        </pc:sldMkLst>
-        <pc:spChg chg="mod ord">
-          <ac:chgData name="Weifeng Xu" userId="e7aed605-a3dd-4d5a-a692-a87037af107b" providerId="ADAL" clId="{30C724EF-4842-4D28-AD5E-F8ADBCCE7FC4}" dt="2025-05-02T15:09:21.836" v="130" actId="1076"/>
-          <ac:spMkLst>
-            <pc:docMk/>
-            <pc:sldMk cId="2476079575" sldId="269"/>
-            <ac:spMk id="2" creationId="{C1A58F9A-37C5-E4AA-4208-536F72C64D86}"/>
-          </ac:spMkLst>
-        </pc:spChg>
-        <pc:spChg chg="add mod">
-          <ac:chgData name="Weifeng Xu" userId="e7aed605-a3dd-4d5a-a692-a87037af107b" providerId="ADAL" clId="{30C724EF-4842-4D28-AD5E-F8ADBCCE7FC4}" dt="2025-05-08T01:38:41.887" v="187" actId="14100"/>
-          <ac:spMkLst>
-            <pc:docMk/>
-            <pc:sldMk cId="2476079575" sldId="269"/>
-            <ac:spMk id="4" creationId="{38E8B7E7-ED13-FA46-0E21-DAFD6FECA148}"/>
-          </ac:spMkLst>
-        </pc:spChg>
-        <pc:picChg chg="add mod">
-          <ac:chgData name="Weifeng Xu" userId="e7aed605-a3dd-4d5a-a692-a87037af107b" providerId="ADAL" clId="{30C724EF-4842-4D28-AD5E-F8ADBCCE7FC4}" dt="2025-05-02T15:09:25.274" v="131" actId="1076"/>
-          <ac:picMkLst>
-            <pc:docMk/>
-            <pc:sldMk cId="2476079575" sldId="269"/>
-            <ac:picMk id="6" creationId="{EEB5F214-F905-E5DC-2193-E6FE33EDA9ED}"/>
-          </ac:picMkLst>
-        </pc:picChg>
-        <pc:picChg chg="add del mod">
-          <ac:chgData name="Weifeng Xu" userId="e7aed605-a3dd-4d5a-a692-a87037af107b" providerId="ADAL" clId="{30C724EF-4842-4D28-AD5E-F8ADBCCE7FC4}" dt="2025-05-08T01:41:16.952" v="194" actId="21"/>
-          <ac:picMkLst>
-            <pc:docMk/>
-            <pc:sldMk cId="2476079575" sldId="269"/>
-            <ac:picMk id="1026" creationId="{7EB37E70-5ABD-ED8F-2AF3-0D8F1FCC0D0E}"/>
-          </ac:picMkLst>
-        </pc:picChg>
-      </pc:sldChg>
-      <pc:sldChg chg="del">
-        <pc:chgData name="Weifeng Xu" userId="e7aed605-a3dd-4d5a-a692-a87037af107b" providerId="ADAL" clId="{30C724EF-4842-4D28-AD5E-F8ADBCCE7FC4}" dt="2025-05-02T14:26:35.560" v="15" actId="47"/>
-        <pc:sldMkLst>
-          <pc:docMk/>
-          <pc:sldMk cId="1822568230" sldId="270"/>
-        </pc:sldMkLst>
-      </pc:sldChg>
-      <pc:sldChg chg="addSp delSp modSp new mod modClrScheme chgLayout">
-        <pc:chgData name="Weifeng Xu" userId="e7aed605-a3dd-4d5a-a692-a87037af107b" providerId="ADAL" clId="{30C724EF-4842-4D28-AD5E-F8ADBCCE7FC4}" dt="2025-05-05T14:53:53.938" v="143" actId="700"/>
-        <pc:sldMkLst>
-          <pc:docMk/>
-          <pc:sldMk cId="2069138016" sldId="270"/>
-        </pc:sldMkLst>
-        <pc:picChg chg="add mod">
-          <ac:chgData name="Weifeng Xu" userId="e7aed605-a3dd-4d5a-a692-a87037af107b" providerId="ADAL" clId="{30C724EF-4842-4D28-AD5E-F8ADBCCE7FC4}" dt="2025-05-02T15:10:40.316" v="141" actId="1076"/>
-          <ac:picMkLst>
-            <pc:docMk/>
-            <pc:sldMk cId="2069138016" sldId="270"/>
-            <ac:picMk id="6" creationId="{2021DCE8-CF9F-0CA5-8062-8A5AB5572DCC}"/>
-          </ac:picMkLst>
-        </pc:picChg>
-      </pc:sldChg>
-      <pc:sldChg chg="del">
-        <pc:chgData name="Weifeng Xu" userId="e7aed605-a3dd-4d5a-a692-a87037af107b" providerId="ADAL" clId="{30C724EF-4842-4D28-AD5E-F8ADBCCE7FC4}" dt="2025-05-02T14:26:36.264" v="17" actId="47"/>
-        <pc:sldMkLst>
-          <pc:docMk/>
-          <pc:sldMk cId="929903445" sldId="271"/>
-        </pc:sldMkLst>
-      </pc:sldChg>
-      <pc:sldChg chg="addSp delSp modSp new del mod modClrScheme chgLayout">
-        <pc:chgData name="Weifeng Xu" userId="e7aed605-a3dd-4d5a-a692-a87037af107b" providerId="ADAL" clId="{30C724EF-4842-4D28-AD5E-F8ADBCCE7FC4}" dt="2025-05-05T15:03:04.739" v="175" actId="47"/>
-        <pc:sldMkLst>
-          <pc:docMk/>
-          <pc:sldMk cId="1121307659" sldId="271"/>
-        </pc:sldMkLst>
-      </pc:sldChg>
-      <pc:sldChg chg="addSp delSp modSp new mod modClrScheme chgLayout">
-        <pc:chgData name="Weifeng Xu" userId="e7aed605-a3dd-4d5a-a692-a87037af107b" providerId="ADAL" clId="{30C724EF-4842-4D28-AD5E-F8ADBCCE7FC4}" dt="2025-05-22T20:21:24.936" v="258" actId="27636"/>
-        <pc:sldMkLst>
-          <pc:docMk/>
-          <pc:sldMk cId="3037065150" sldId="271"/>
-        </pc:sldMkLst>
-        <pc:spChg chg="del mod ord">
-          <ac:chgData name="Weifeng Xu" userId="e7aed605-a3dd-4d5a-a692-a87037af107b" providerId="ADAL" clId="{30C724EF-4842-4D28-AD5E-F8ADBCCE7FC4}" dt="2025-05-22T20:18:24.610" v="196" actId="700"/>
-          <ac:spMkLst>
-            <pc:docMk/>
-            <pc:sldMk cId="3037065150" sldId="271"/>
-            <ac:spMk id="2" creationId="{38D07905-A5A0-E132-762B-B41DF4E737EA}"/>
-          </ac:spMkLst>
-        </pc:spChg>
-        <pc:spChg chg="del">
-          <ac:chgData name="Weifeng Xu" userId="e7aed605-a3dd-4d5a-a692-a87037af107b" providerId="ADAL" clId="{30C724EF-4842-4D28-AD5E-F8ADBCCE7FC4}" dt="2025-05-22T20:18:24.610" v="196" actId="700"/>
-          <ac:spMkLst>
-            <pc:docMk/>
-            <pc:sldMk cId="3037065150" sldId="271"/>
-            <ac:spMk id="3" creationId="{FA42BAD0-8BB0-42C1-51BC-68742F306E52}"/>
-          </ac:spMkLst>
-        </pc:spChg>
-        <pc:spChg chg="add mod ord">
-          <ac:chgData name="Weifeng Xu" userId="e7aed605-a3dd-4d5a-a692-a87037af107b" providerId="ADAL" clId="{30C724EF-4842-4D28-AD5E-F8ADBCCE7FC4}" dt="2025-05-22T20:20:12.482" v="233" actId="700"/>
-          <ac:spMkLst>
-            <pc:docMk/>
-            <pc:sldMk cId="3037065150" sldId="271"/>
-            <ac:spMk id="4" creationId="{8A50DB89-3275-89D1-D1DF-59F2CBB77D05}"/>
-          </ac:spMkLst>
-        </pc:spChg>
-        <pc:spChg chg="add mod ord">
-          <ac:chgData name="Weifeng Xu" userId="e7aed605-a3dd-4d5a-a692-a87037af107b" providerId="ADAL" clId="{30C724EF-4842-4D28-AD5E-F8ADBCCE7FC4}" dt="2025-05-22T20:21:24.936" v="258" actId="27636"/>
-          <ac:spMkLst>
-            <pc:docMk/>
-            <pc:sldMk cId="3037065150" sldId="271"/>
-            <ac:spMk id="6" creationId="{F0FF6C0B-5FD1-6159-F496-34C3D4010FBD}"/>
-          </ac:spMkLst>
-        </pc:spChg>
-        <pc:picChg chg="add mod">
-          <ac:chgData name="Weifeng Xu" userId="e7aed605-a3dd-4d5a-a692-a87037af107b" providerId="ADAL" clId="{30C724EF-4842-4D28-AD5E-F8ADBCCE7FC4}" dt="2025-05-22T20:20:02.094" v="232" actId="14100"/>
-          <ac:picMkLst>
-            <pc:docMk/>
-            <pc:sldMk cId="3037065150" sldId="271"/>
-            <ac:picMk id="5" creationId="{9F3EA8F2-A4A2-57B9-104A-5607C1F02E9E}"/>
-          </ac:picMkLst>
-        </pc:picChg>
-      </pc:sldChg>
-      <pc:sldChg chg="del">
-        <pc:chgData name="Weifeng Xu" userId="e7aed605-a3dd-4d5a-a692-a87037af107b" providerId="ADAL" clId="{30C724EF-4842-4D28-AD5E-F8ADBCCE7FC4}" dt="2025-05-02T14:26:34.596" v="10" actId="47"/>
-        <pc:sldMkLst>
-          <pc:docMk/>
-          <pc:sldMk cId="409369350" sldId="272"/>
-        </pc:sldMkLst>
-      </pc:sldChg>
-      <pc:sldChg chg="del">
-        <pc:chgData name="Weifeng Xu" userId="e7aed605-a3dd-4d5a-a692-a87037af107b" providerId="ADAL" clId="{30C724EF-4842-4D28-AD5E-F8ADBCCE7FC4}" dt="2025-05-02T14:26:34.416" v="9" actId="47"/>
-        <pc:sldMkLst>
-          <pc:docMk/>
-          <pc:sldMk cId="3399795082" sldId="273"/>
-        </pc:sldMkLst>
-      </pc:sldChg>
-      <pc:sldChg chg="del">
-        <pc:chgData name="Weifeng Xu" userId="e7aed605-a3dd-4d5a-a692-a87037af107b" providerId="ADAL" clId="{30C724EF-4842-4D28-AD5E-F8ADBCCE7FC4}" dt="2025-05-02T14:26:34.833" v="11" actId="47"/>
-        <pc:sldMkLst>
-          <pc:docMk/>
-          <pc:sldMk cId="1313382436" sldId="274"/>
-        </pc:sldMkLst>
-      </pc:sldChg>
-      <pc:sldChg chg="del">
-        <pc:chgData name="Weifeng Xu" userId="e7aed605-a3dd-4d5a-a692-a87037af107b" providerId="ADAL" clId="{30C724EF-4842-4D28-AD5E-F8ADBCCE7FC4}" dt="2025-05-02T14:26:39.207" v="20" actId="47"/>
-        <pc:sldMkLst>
-          <pc:docMk/>
-          <pc:sldMk cId="4170236264" sldId="275"/>
-        </pc:sldMkLst>
-      </pc:sldChg>
-      <pc:sldChg chg="del">
-        <pc:chgData name="Weifeng Xu" userId="e7aed605-a3dd-4d5a-a692-a87037af107b" providerId="ADAL" clId="{30C724EF-4842-4D28-AD5E-F8ADBCCE7FC4}" dt="2025-05-02T14:26:35.754" v="16" actId="47"/>
-        <pc:sldMkLst>
-          <pc:docMk/>
-          <pc:sldMk cId="363184616" sldId="276"/>
-        </pc:sldMkLst>
-      </pc:sldChg>
-      <pc:sldChg chg="del">
-        <pc:chgData name="Weifeng Xu" userId="e7aed605-a3dd-4d5a-a692-a87037af107b" providerId="ADAL" clId="{30C724EF-4842-4D28-AD5E-F8ADBCCE7FC4}" dt="2025-05-02T14:26:37.362" v="18" actId="47"/>
-        <pc:sldMkLst>
-          <pc:docMk/>
-          <pc:sldMk cId="1572050356" sldId="277"/>
-        </pc:sldMkLst>
-      </pc:sldChg>
-    </pc:docChg>
-  </pc:docChgLst>
-  <pc:docChgLst>
-    <pc:chgData name="Weifeng Xu" userId="e7aed605-a3dd-4d5a-a692-a87037af107b" providerId="ADAL" clId="{9C06CBEB-0343-4287-8B81-0C702673DE5E}"/>
-    <pc:docChg chg="undo redo custSel addSld delSld modSld sldOrd">
-      <pc:chgData name="Weifeng Xu" userId="e7aed605-a3dd-4d5a-a692-a87037af107b" providerId="ADAL" clId="{9C06CBEB-0343-4287-8B81-0C702673DE5E}" dt="2025-04-23T23:34:27.047" v="4553" actId="1076"/>
-      <pc:docMkLst>
-        <pc:docMk/>
-      </pc:docMkLst>
-      <pc:sldChg chg="modSp mod">
-        <pc:chgData name="Weifeng Xu" userId="e7aed605-a3dd-4d5a-a692-a87037af107b" providerId="ADAL" clId="{9C06CBEB-0343-4287-8B81-0C702673DE5E}" dt="2025-04-23T01:31:59.756" v="4545" actId="20577"/>
-        <pc:sldMkLst>
-          <pc:docMk/>
-          <pc:sldMk cId="1325061211" sldId="256"/>
-        </pc:sldMkLst>
-        <pc:spChg chg="mod">
-          <ac:chgData name="Weifeng Xu" userId="e7aed605-a3dd-4d5a-a692-a87037af107b" providerId="ADAL" clId="{9C06CBEB-0343-4287-8B81-0C702673DE5E}" dt="2025-04-23T01:31:59.756" v="4545" actId="20577"/>
-          <ac:spMkLst>
-            <pc:docMk/>
-            <pc:sldMk cId="1325061211" sldId="256"/>
-            <ac:spMk id="2" creationId="{00000000-0000-0000-0000-000000000000}"/>
-          </ac:spMkLst>
-        </pc:spChg>
-      </pc:sldChg>
-      <pc:sldChg chg="addSp delSp modSp mod modClrScheme chgLayout">
-        <pc:chgData name="Weifeng Xu" userId="e7aed605-a3dd-4d5a-a692-a87037af107b" providerId="ADAL" clId="{9C06CBEB-0343-4287-8B81-0C702673DE5E}" dt="2025-04-20T02:53:00.098" v="242" actId="20577"/>
-        <pc:sldMkLst>
-          <pc:docMk/>
-          <pc:sldMk cId="2201572609" sldId="257"/>
-        </pc:sldMkLst>
-      </pc:sldChg>
-      <pc:sldChg chg="addSp delSp modSp mod modClrScheme chgLayout">
-        <pc:chgData name="Weifeng Xu" userId="e7aed605-a3dd-4d5a-a692-a87037af107b" providerId="ADAL" clId="{9C06CBEB-0343-4287-8B81-0C702673DE5E}" dt="2025-04-22T03:01:31.344" v="3590" actId="1076"/>
-        <pc:sldMkLst>
-          <pc:docMk/>
-          <pc:sldMk cId="450669007" sldId="258"/>
-        </pc:sldMkLst>
-      </pc:sldChg>
-      <pc:sldChg chg="addSp delSp modSp add mod">
-        <pc:chgData name="Weifeng Xu" userId="e7aed605-a3dd-4d5a-a692-a87037af107b" providerId="ADAL" clId="{9C06CBEB-0343-4287-8B81-0C702673DE5E}" dt="2025-04-23T00:43:03.009" v="4084" actId="20577"/>
-        <pc:sldMkLst>
-          <pc:docMk/>
-          <pc:sldMk cId="3233567480" sldId="259"/>
-        </pc:sldMkLst>
-      </pc:sldChg>
-      <pc:sldChg chg="addSp delSp modSp new mod">
-        <pc:chgData name="Weifeng Xu" userId="e7aed605-a3dd-4d5a-a692-a87037af107b" providerId="ADAL" clId="{9C06CBEB-0343-4287-8B81-0C702673DE5E}" dt="2025-04-21T12:06:27.352" v="1955" actId="1076"/>
-        <pc:sldMkLst>
-          <pc:docMk/>
-          <pc:sldMk cId="2715224073" sldId="260"/>
-        </pc:sldMkLst>
-      </pc:sldChg>
-      <pc:sldChg chg="addSp delSp modSp new mod modClrScheme chgLayout">
-        <pc:chgData name="Weifeng Xu" userId="e7aed605-a3dd-4d5a-a692-a87037af107b" providerId="ADAL" clId="{9C06CBEB-0343-4287-8B81-0C702673DE5E}" dt="2025-04-22T01:35:22.881" v="2625" actId="14100"/>
-        <pc:sldMkLst>
-          <pc:docMk/>
-          <pc:sldMk cId="1030786537" sldId="261"/>
-        </pc:sldMkLst>
-      </pc:sldChg>
-      <pc:sldChg chg="addSp delSp modSp new mod">
-        <pc:chgData name="Weifeng Xu" userId="e7aed605-a3dd-4d5a-a692-a87037af107b" providerId="ADAL" clId="{9C06CBEB-0343-4287-8B81-0C702673DE5E}" dt="2025-04-23T00:36:22.083" v="3996" actId="20577"/>
-        <pc:sldMkLst>
-          <pc:docMk/>
-          <pc:sldMk cId="3284022864" sldId="262"/>
-        </pc:sldMkLst>
-      </pc:sldChg>
-      <pc:sldChg chg="addSp delSp modSp new mod">
-        <pc:chgData name="Weifeng Xu" userId="e7aed605-a3dd-4d5a-a692-a87037af107b" providerId="ADAL" clId="{9C06CBEB-0343-4287-8B81-0C702673DE5E}" dt="2025-04-23T00:40:19.679" v="4005" actId="6549"/>
-        <pc:sldMkLst>
-          <pc:docMk/>
-          <pc:sldMk cId="786756272" sldId="263"/>
-        </pc:sldMkLst>
-      </pc:sldChg>
-      <pc:sldChg chg="addSp delSp modSp new mod modClrScheme chgLayout">
-        <pc:chgData name="Weifeng Xu" userId="e7aed605-a3dd-4d5a-a692-a87037af107b" providerId="ADAL" clId="{9C06CBEB-0343-4287-8B81-0C702673DE5E}" dt="2025-04-23T00:42:08.933" v="4070" actId="108"/>
-        <pc:sldMkLst>
-          <pc:docMk/>
-          <pc:sldMk cId="3548515090" sldId="264"/>
-        </pc:sldMkLst>
-      </pc:sldChg>
-      <pc:sldChg chg="addSp delSp modSp new mod modClrScheme chgLayout modNotesTx">
-        <pc:chgData name="Weifeng Xu" userId="e7aed605-a3dd-4d5a-a692-a87037af107b" providerId="ADAL" clId="{9C06CBEB-0343-4287-8B81-0C702673DE5E}" dt="2025-04-21T13:40:04.327" v="2094" actId="207"/>
-        <pc:sldMkLst>
-          <pc:docMk/>
-          <pc:sldMk cId="3523214092" sldId="265"/>
-        </pc:sldMkLst>
-      </pc:sldChg>
-      <pc:sldChg chg="addSp delSp modSp new mod ord modClrScheme chgLayout">
-        <pc:chgData name="Weifeng Xu" userId="e7aed605-a3dd-4d5a-a692-a87037af107b" providerId="ADAL" clId="{9C06CBEB-0343-4287-8B81-0C702673DE5E}" dt="2025-04-23T01:02:14.800" v="4310" actId="207"/>
-        <pc:sldMkLst>
-          <pc:docMk/>
-          <pc:sldMk cId="756868712" sldId="266"/>
-        </pc:sldMkLst>
-      </pc:sldChg>
-      <pc:sldChg chg="addSp delSp modSp add mod">
-        <pc:chgData name="Weifeng Xu" userId="e7aed605-a3dd-4d5a-a692-a87037af107b" providerId="ADAL" clId="{9C06CBEB-0343-4287-8B81-0C702673DE5E}" dt="2025-04-22T02:46:00.589" v="3485" actId="20577"/>
-        <pc:sldMkLst>
-          <pc:docMk/>
-          <pc:sldMk cId="2973990778" sldId="267"/>
-        </pc:sldMkLst>
-      </pc:sldChg>
-      <pc:sldChg chg="addSp delSp modSp add del mod">
-        <pc:chgData name="Weifeng Xu" userId="e7aed605-a3dd-4d5a-a692-a87037af107b" providerId="ADAL" clId="{9C06CBEB-0343-4287-8B81-0C702673DE5E}" dt="2025-04-22T12:56:50.206" v="3699" actId="1076"/>
-        <pc:sldMkLst>
-          <pc:docMk/>
-          <pc:sldMk cId="2042884208" sldId="268"/>
-        </pc:sldMkLst>
-      </pc:sldChg>
-      <pc:sldChg chg="addSp delSp modSp add mod modClrScheme chgLayout">
-        <pc:chgData name="Weifeng Xu" userId="e7aed605-a3dd-4d5a-a692-a87037af107b" providerId="ADAL" clId="{9C06CBEB-0343-4287-8B81-0C702673DE5E}" dt="2025-04-23T01:19:14.631" v="4375" actId="207"/>
-        <pc:sldMkLst>
-          <pc:docMk/>
-          <pc:sldMk cId="3256057421" sldId="269"/>
-        </pc:sldMkLst>
-      </pc:sldChg>
-      <pc:sldChg chg="addSp modSp add mod">
-        <pc:chgData name="Weifeng Xu" userId="e7aed605-a3dd-4d5a-a692-a87037af107b" providerId="ADAL" clId="{9C06CBEB-0343-4287-8B81-0C702673DE5E}" dt="2025-04-23T01:19:18.460" v="4376" actId="207"/>
-        <pc:sldMkLst>
-          <pc:docMk/>
-          <pc:sldMk cId="146876777" sldId="270"/>
-        </pc:sldMkLst>
-      </pc:sldChg>
-      <pc:sldChg chg="addSp delSp modSp add mod modClrScheme chgLayout">
-        <pc:chgData name="Weifeng Xu" userId="e7aed605-a3dd-4d5a-a692-a87037af107b" providerId="ADAL" clId="{9C06CBEB-0343-4287-8B81-0C702673DE5E}" dt="2025-04-23T01:26:00.614" v="4493" actId="1076"/>
-        <pc:sldMkLst>
-          <pc:docMk/>
-          <pc:sldMk cId="1939243851" sldId="271"/>
-        </pc:sldMkLst>
-      </pc:sldChg>
-      <pc:sldChg chg="addSp modSp new mod">
-        <pc:chgData name="Weifeng Xu" userId="e7aed605-a3dd-4d5a-a692-a87037af107b" providerId="ADAL" clId="{9C06CBEB-0343-4287-8B81-0C702673DE5E}" dt="2025-04-23T23:34:27.047" v="4553" actId="1076"/>
-        <pc:sldMkLst>
-          <pc:docMk/>
-          <pc:sldMk cId="2238745649" sldId="272"/>
-        </pc:sldMkLst>
-      </pc:sldChg>
-    </pc:docChg>
-  </pc:docChgLst>
-  <pc:docChgLst>
     <pc:chgData name="Weifeng Xu" userId="e7aed605-a3dd-4d5a-a692-a87037af107b" providerId="ADAL" clId="{E34D94EB-D766-41A9-93D0-B8D12317CF67}"/>
     <pc:docChg chg="undo custSel modSld addMainMaster delMainMaster modMainMaster">
       <pc:chgData name="Weifeng Xu" userId="e7aed605-a3dd-4d5a-a692-a87037af107b" providerId="ADAL" clId="{E34D94EB-D766-41A9-93D0-B8D12317CF67}" dt="2025-04-19T02:39:47.128" v="134" actId="700"/>
@@ -1529,6 +355,1180 @@
       </pc:sldMasterChg>
     </pc:docChg>
   </pc:docChgLst>
+  <pc:docChgLst>
+    <pc:chgData name="Weifeng Xu" userId="e7aed605-a3dd-4d5a-a692-a87037af107b" providerId="ADAL" clId="{77503F2E-F3A0-409B-A511-BB14035E722B}"/>
+    <pc:docChg chg="undo custSel addSld delSld modSld sldOrd">
+      <pc:chgData name="Weifeng Xu" userId="e7aed605-a3dd-4d5a-a692-a87037af107b" providerId="ADAL" clId="{77503F2E-F3A0-409B-A511-BB14035E722B}" dt="2025-05-01T18:53:56.374" v="2136" actId="20577"/>
+      <pc:docMkLst>
+        <pc:docMk/>
+      </pc:docMkLst>
+      <pc:sldChg chg="addSp modSp mod">
+        <pc:chgData name="Weifeng Xu" userId="e7aed605-a3dd-4d5a-a692-a87037af107b" providerId="ADAL" clId="{77503F2E-F3A0-409B-A511-BB14035E722B}" dt="2025-04-30T22:37:51.320" v="275" actId="1076"/>
+        <pc:sldMkLst>
+          <pc:docMk/>
+          <pc:sldMk cId="1325061211" sldId="256"/>
+        </pc:sldMkLst>
+        <pc:spChg chg="mod">
+          <ac:chgData name="Weifeng Xu" userId="e7aed605-a3dd-4d5a-a692-a87037af107b" providerId="ADAL" clId="{77503F2E-F3A0-409B-A511-BB14035E722B}" dt="2025-04-30T21:32:17.306" v="10"/>
+          <ac:spMkLst>
+            <pc:docMk/>
+            <pc:sldMk cId="1325061211" sldId="256"/>
+            <ac:spMk id="2" creationId="{00000000-0000-0000-0000-000000000000}"/>
+          </ac:spMkLst>
+        </pc:spChg>
+        <pc:spChg chg="mod">
+          <ac:chgData name="Weifeng Xu" userId="e7aed605-a3dd-4d5a-a692-a87037af107b" providerId="ADAL" clId="{77503F2E-F3A0-409B-A511-BB14035E722B}" dt="2025-04-30T21:32:19.688" v="11" actId="6549"/>
+          <ac:spMkLst>
+            <pc:docMk/>
+            <pc:sldMk cId="1325061211" sldId="256"/>
+            <ac:spMk id="3" creationId="{00000000-0000-0000-0000-000000000000}"/>
+          </ac:spMkLst>
+        </pc:spChg>
+      </pc:sldChg>
+      <pc:sldChg chg="addSp delSp modSp new mod modClrScheme chgLayout">
+        <pc:chgData name="Weifeng Xu" userId="e7aed605-a3dd-4d5a-a692-a87037af107b" providerId="ADAL" clId="{77503F2E-F3A0-409B-A511-BB14035E722B}" dt="2025-04-30T22:00:56.674" v="162" actId="14100"/>
+        <pc:sldMkLst>
+          <pc:docMk/>
+          <pc:sldMk cId="2003605107" sldId="257"/>
+        </pc:sldMkLst>
+      </pc:sldChg>
+      <pc:sldChg chg="del">
+        <pc:chgData name="Weifeng Xu" userId="e7aed605-a3dd-4d5a-a692-a87037af107b" providerId="ADAL" clId="{77503F2E-F3A0-409B-A511-BB14035E722B}" dt="2025-04-30T21:31:57.304" v="0" actId="47"/>
+        <pc:sldMkLst>
+          <pc:docMk/>
+          <pc:sldMk cId="2572427240" sldId="257"/>
+        </pc:sldMkLst>
+      </pc:sldChg>
+      <pc:sldChg chg="del">
+        <pc:chgData name="Weifeng Xu" userId="e7aed605-a3dd-4d5a-a692-a87037af107b" providerId="ADAL" clId="{77503F2E-F3A0-409B-A511-BB14035E722B}" dt="2025-04-30T21:31:57.413" v="1" actId="47"/>
+        <pc:sldMkLst>
+          <pc:docMk/>
+          <pc:sldMk cId="3100494254" sldId="258"/>
+        </pc:sldMkLst>
+      </pc:sldChg>
+      <pc:sldChg chg="addSp delSp modSp add mod modClrScheme chgLayout">
+        <pc:chgData name="Weifeng Xu" userId="e7aed605-a3dd-4d5a-a692-a87037af107b" providerId="ADAL" clId="{77503F2E-F3A0-409B-A511-BB14035E722B}" dt="2025-04-30T22:36:13.270" v="244" actId="27636"/>
+        <pc:sldMkLst>
+          <pc:docMk/>
+          <pc:sldMk cId="3148078500" sldId="258"/>
+        </pc:sldMkLst>
+      </pc:sldChg>
+      <pc:sldChg chg="del">
+        <pc:chgData name="Weifeng Xu" userId="e7aed605-a3dd-4d5a-a692-a87037af107b" providerId="ADAL" clId="{77503F2E-F3A0-409B-A511-BB14035E722B}" dt="2025-04-30T21:31:57.571" v="2" actId="47"/>
+        <pc:sldMkLst>
+          <pc:docMk/>
+          <pc:sldMk cId="1655253961" sldId="259"/>
+        </pc:sldMkLst>
+      </pc:sldChg>
+      <pc:sldChg chg="addSp delSp modSp new mod modClrScheme chgLayout">
+        <pc:chgData name="Weifeng Xu" userId="e7aed605-a3dd-4d5a-a692-a87037af107b" providerId="ADAL" clId="{77503F2E-F3A0-409B-A511-BB14035E722B}" dt="2025-05-01T02:24:49.515" v="1486" actId="1076"/>
+        <pc:sldMkLst>
+          <pc:docMk/>
+          <pc:sldMk cId="2942233055" sldId="259"/>
+        </pc:sldMkLst>
+      </pc:sldChg>
+      <pc:sldChg chg="del">
+        <pc:chgData name="Weifeng Xu" userId="e7aed605-a3dd-4d5a-a692-a87037af107b" providerId="ADAL" clId="{77503F2E-F3A0-409B-A511-BB14035E722B}" dt="2025-04-30T21:31:58.684" v="5" actId="47"/>
+        <pc:sldMkLst>
+          <pc:docMk/>
+          <pc:sldMk cId="3375603492" sldId="260"/>
+        </pc:sldMkLst>
+      </pc:sldChg>
+      <pc:sldChg chg="addSp delSp modSp new mod modClrScheme chgLayout modNotesTx">
+        <pc:chgData name="Weifeng Xu" userId="e7aed605-a3dd-4d5a-a692-a87037af107b" providerId="ADAL" clId="{77503F2E-F3A0-409B-A511-BB14035E722B}" dt="2025-04-30T23:57:46.285" v="501" actId="1076"/>
+        <pc:sldMkLst>
+          <pc:docMk/>
+          <pc:sldMk cId="4238292093" sldId="260"/>
+        </pc:sldMkLst>
+      </pc:sldChg>
+      <pc:sldChg chg="addSp delSp modSp new mod ord modClrScheme chgLayout modNotesTx">
+        <pc:chgData name="Weifeng Xu" userId="e7aed605-a3dd-4d5a-a692-a87037af107b" providerId="ADAL" clId="{77503F2E-F3A0-409B-A511-BB14035E722B}" dt="2025-05-01T00:20:09.257" v="663" actId="20577"/>
+        <pc:sldMkLst>
+          <pc:docMk/>
+          <pc:sldMk cId="773548588" sldId="261"/>
+        </pc:sldMkLst>
+      </pc:sldChg>
+      <pc:sldChg chg="del">
+        <pc:chgData name="Weifeng Xu" userId="e7aed605-a3dd-4d5a-a692-a87037af107b" providerId="ADAL" clId="{77503F2E-F3A0-409B-A511-BB14035E722B}" dt="2025-04-30T21:31:57.746" v="3" actId="47"/>
+        <pc:sldMkLst>
+          <pc:docMk/>
+          <pc:sldMk cId="909895920" sldId="261"/>
+        </pc:sldMkLst>
+      </pc:sldChg>
+      <pc:sldChg chg="del">
+        <pc:chgData name="Weifeng Xu" userId="e7aed605-a3dd-4d5a-a692-a87037af107b" providerId="ADAL" clId="{77503F2E-F3A0-409B-A511-BB14035E722B}" dt="2025-04-30T21:31:57.991" v="4" actId="47"/>
+        <pc:sldMkLst>
+          <pc:docMk/>
+          <pc:sldMk cId="1010189504" sldId="262"/>
+        </pc:sldMkLst>
+      </pc:sldChg>
+      <pc:sldChg chg="addSp modSp new mod ord modClrScheme chgLayout">
+        <pc:chgData name="Weifeng Xu" userId="e7aed605-a3dd-4d5a-a692-a87037af107b" providerId="ADAL" clId="{77503F2E-F3A0-409B-A511-BB14035E722B}" dt="2025-05-01T01:31:48.820" v="1112"/>
+        <pc:sldMkLst>
+          <pc:docMk/>
+          <pc:sldMk cId="3939068785" sldId="262"/>
+        </pc:sldMkLst>
+      </pc:sldChg>
+      <pc:sldChg chg="addSp delSp modSp new mod modClrScheme chgLayout">
+        <pc:chgData name="Weifeng Xu" userId="e7aed605-a3dd-4d5a-a692-a87037af107b" providerId="ADAL" clId="{77503F2E-F3A0-409B-A511-BB14035E722B}" dt="2025-05-01T01:30:59.453" v="1110" actId="207"/>
+        <pc:sldMkLst>
+          <pc:docMk/>
+          <pc:sldMk cId="2162073066" sldId="263"/>
+        </pc:sldMkLst>
+      </pc:sldChg>
+      <pc:sldChg chg="addSp delSp modSp new mod modClrScheme chgLayout">
+        <pc:chgData name="Weifeng Xu" userId="e7aed605-a3dd-4d5a-a692-a87037af107b" providerId="ADAL" clId="{77503F2E-F3A0-409B-A511-BB14035E722B}" dt="2025-05-01T02:28:32.993" v="1527"/>
+        <pc:sldMkLst>
+          <pc:docMk/>
+          <pc:sldMk cId="1975365164" sldId="264"/>
+        </pc:sldMkLst>
+      </pc:sldChg>
+      <pc:sldChg chg="addSp delSp modSp new mod">
+        <pc:chgData name="Weifeng Xu" userId="e7aed605-a3dd-4d5a-a692-a87037af107b" providerId="ADAL" clId="{77503F2E-F3A0-409B-A511-BB14035E722B}" dt="2025-05-01T16:11:44.655" v="2082" actId="1076"/>
+        <pc:sldMkLst>
+          <pc:docMk/>
+          <pc:sldMk cId="4163382801" sldId="265"/>
+        </pc:sldMkLst>
+      </pc:sldChg>
+      <pc:sldChg chg="addSp delSp modSp new mod modClrScheme chgLayout modNotesTx">
+        <pc:chgData name="Weifeng Xu" userId="e7aed605-a3dd-4d5a-a692-a87037af107b" providerId="ADAL" clId="{77503F2E-F3A0-409B-A511-BB14035E722B}" dt="2025-05-01T15:39:51.026" v="1945" actId="403"/>
+        <pc:sldMkLst>
+          <pc:docMk/>
+          <pc:sldMk cId="711940281" sldId="266"/>
+        </pc:sldMkLst>
+      </pc:sldChg>
+      <pc:sldChg chg="addSp delSp modSp new mod">
+        <pc:chgData name="Weifeng Xu" userId="e7aed605-a3dd-4d5a-a692-a87037af107b" providerId="ADAL" clId="{77503F2E-F3A0-409B-A511-BB14035E722B}" dt="2025-05-01T15:44:07.976" v="1954" actId="14100"/>
+        <pc:sldMkLst>
+          <pc:docMk/>
+          <pc:sldMk cId="3000902119" sldId="267"/>
+        </pc:sldMkLst>
+      </pc:sldChg>
+      <pc:sldChg chg="addSp modSp new mod modClrScheme chgLayout">
+        <pc:chgData name="Weifeng Xu" userId="e7aed605-a3dd-4d5a-a692-a87037af107b" providerId="ADAL" clId="{77503F2E-F3A0-409B-A511-BB14035E722B}" dt="2025-05-01T02:13:32.434" v="1403"/>
+        <pc:sldMkLst>
+          <pc:docMk/>
+          <pc:sldMk cId="70125468" sldId="268"/>
+        </pc:sldMkLst>
+      </pc:sldChg>
+      <pc:sldChg chg="modSp new mod">
+        <pc:chgData name="Weifeng Xu" userId="e7aed605-a3dd-4d5a-a692-a87037af107b" providerId="ADAL" clId="{77503F2E-F3A0-409B-A511-BB14035E722B}" dt="2025-05-01T18:53:56.374" v="2136" actId="20577"/>
+        <pc:sldMkLst>
+          <pc:docMk/>
+          <pc:sldMk cId="1829157120" sldId="269"/>
+        </pc:sldMkLst>
+      </pc:sldChg>
+      <pc:sldChg chg="addSp delSp modSp new mod modClrScheme chgLayout">
+        <pc:chgData name="Weifeng Xu" userId="e7aed605-a3dd-4d5a-a692-a87037af107b" providerId="ADAL" clId="{77503F2E-F3A0-409B-A511-BB14035E722B}" dt="2025-05-01T16:45:54.163" v="2089" actId="1076"/>
+        <pc:sldMkLst>
+          <pc:docMk/>
+          <pc:sldMk cId="1822568230" sldId="270"/>
+        </pc:sldMkLst>
+      </pc:sldChg>
+      <pc:sldChg chg="addSp modSp new mod modClrScheme chgLayout">
+        <pc:chgData name="Weifeng Xu" userId="e7aed605-a3dd-4d5a-a692-a87037af107b" providerId="ADAL" clId="{77503F2E-F3A0-409B-A511-BB14035E722B}" dt="2025-05-01T14:02:37.278" v="1563" actId="14100"/>
+        <pc:sldMkLst>
+          <pc:docMk/>
+          <pc:sldMk cId="929903445" sldId="271"/>
+        </pc:sldMkLst>
+      </pc:sldChg>
+      <pc:sldChg chg="addSp modSp new mod modClrScheme chgLayout">
+        <pc:chgData name="Weifeng Xu" userId="e7aed605-a3dd-4d5a-a692-a87037af107b" providerId="ADAL" clId="{77503F2E-F3A0-409B-A511-BB14035E722B}" dt="2025-05-01T15:30:04.850" v="1882" actId="14100"/>
+        <pc:sldMkLst>
+          <pc:docMk/>
+          <pc:sldMk cId="409369350" sldId="272"/>
+        </pc:sldMkLst>
+      </pc:sldChg>
+      <pc:sldChg chg="addSp delSp modSp new mod modClrScheme chgLayout">
+        <pc:chgData name="Weifeng Xu" userId="e7aed605-a3dd-4d5a-a692-a87037af107b" providerId="ADAL" clId="{77503F2E-F3A0-409B-A511-BB14035E722B}" dt="2025-05-01T14:59:11.283" v="1722" actId="20577"/>
+        <pc:sldMkLst>
+          <pc:docMk/>
+          <pc:sldMk cId="3399795082" sldId="273"/>
+        </pc:sldMkLst>
+      </pc:sldChg>
+      <pc:sldChg chg="addSp delSp modSp new mod modClrScheme chgLayout modNotesTx">
+        <pc:chgData name="Weifeng Xu" userId="e7aed605-a3dd-4d5a-a692-a87037af107b" providerId="ADAL" clId="{77503F2E-F3A0-409B-A511-BB14035E722B}" dt="2025-05-01T15:30:28.941" v="1887" actId="403"/>
+        <pc:sldMkLst>
+          <pc:docMk/>
+          <pc:sldMk cId="1313382436" sldId="274"/>
+        </pc:sldMkLst>
+      </pc:sldChg>
+      <pc:sldChg chg="addSp delSp modSp new mod modClrScheme chgLayout">
+        <pc:chgData name="Weifeng Xu" userId="e7aed605-a3dd-4d5a-a692-a87037af107b" providerId="ADAL" clId="{77503F2E-F3A0-409B-A511-BB14035E722B}" dt="2025-05-01T15:07:31.776" v="1818" actId="12"/>
+        <pc:sldMkLst>
+          <pc:docMk/>
+          <pc:sldMk cId="4170236264" sldId="275"/>
+        </pc:sldMkLst>
+      </pc:sldChg>
+      <pc:sldChg chg="addSp delSp modSp new mod ord modClrScheme chgLayout">
+        <pc:chgData name="Weifeng Xu" userId="e7aed605-a3dd-4d5a-a692-a87037af107b" providerId="ADAL" clId="{77503F2E-F3A0-409B-A511-BB14035E722B}" dt="2025-05-01T16:46:25.876" v="2093" actId="207"/>
+        <pc:sldMkLst>
+          <pc:docMk/>
+          <pc:sldMk cId="363184616" sldId="276"/>
+        </pc:sldMkLst>
+      </pc:sldChg>
+      <pc:sldChg chg="addSp modSp new del mod">
+        <pc:chgData name="Weifeng Xu" userId="e7aed605-a3dd-4d5a-a692-a87037af107b" providerId="ADAL" clId="{77503F2E-F3A0-409B-A511-BB14035E722B}" dt="2025-05-01T16:11:58.243" v="2083" actId="47"/>
+        <pc:sldMkLst>
+          <pc:docMk/>
+          <pc:sldMk cId="1433488969" sldId="276"/>
+        </pc:sldMkLst>
+      </pc:sldChg>
+      <pc:sldChg chg="addSp delSp modSp new del mod modClrScheme chgLayout">
+        <pc:chgData name="Weifeng Xu" userId="e7aed605-a3dd-4d5a-a692-a87037af107b" providerId="ADAL" clId="{77503F2E-F3A0-409B-A511-BB14035E722B}" dt="2025-05-01T15:56:30.529" v="2015" actId="680"/>
+        <pc:sldMkLst>
+          <pc:docMk/>
+          <pc:sldMk cId="1774214095" sldId="276"/>
+        </pc:sldMkLst>
+      </pc:sldChg>
+      <pc:sldChg chg="addSp modSp new del mod modClrScheme chgLayout">
+        <pc:chgData name="Weifeng Xu" userId="e7aed605-a3dd-4d5a-a692-a87037af107b" providerId="ADAL" clId="{77503F2E-F3A0-409B-A511-BB14035E722B}" dt="2025-05-01T15:40:18.963" v="1946" actId="47"/>
+        <pc:sldMkLst>
+          <pc:docMk/>
+          <pc:sldMk cId="3294603324" sldId="276"/>
+        </pc:sldMkLst>
+      </pc:sldChg>
+      <pc:sldChg chg="addSp modSp new mod modAnim">
+        <pc:chgData name="Weifeng Xu" userId="e7aed605-a3dd-4d5a-a692-a87037af107b" providerId="ADAL" clId="{77503F2E-F3A0-409B-A511-BB14035E722B}" dt="2025-05-01T18:53:39.456" v="2135" actId="1076"/>
+        <pc:sldMkLst>
+          <pc:docMk/>
+          <pc:sldMk cId="1572050356" sldId="277"/>
+        </pc:sldMkLst>
+      </pc:sldChg>
+      <pc:sldChg chg="add del">
+        <pc:chgData name="Weifeng Xu" userId="e7aed605-a3dd-4d5a-a692-a87037af107b" providerId="ADAL" clId="{77503F2E-F3A0-409B-A511-BB14035E722B}" dt="2025-05-01T18:49:24.473" v="2098"/>
+        <pc:sldMkLst>
+          <pc:docMk/>
+          <pc:sldMk cId="3665025083" sldId="277"/>
+        </pc:sldMkLst>
+      </pc:sldChg>
+      <pc:sldChg chg="add del">
+        <pc:chgData name="Weifeng Xu" userId="e7aed605-a3dd-4d5a-a692-a87037af107b" providerId="ADAL" clId="{77503F2E-F3A0-409B-A511-BB14035E722B}" dt="2025-05-01T18:49:10.145" v="2095"/>
+        <pc:sldMkLst>
+          <pc:docMk/>
+          <pc:sldMk cId="4149124542" sldId="277"/>
+        </pc:sldMkLst>
+      </pc:sldChg>
+    </pc:docChg>
+  </pc:docChgLst>
+  <pc:docChgLst>
+    <pc:chgData name="Weifeng Xu" userId="e7aed605-a3dd-4d5a-a692-a87037af107b" providerId="ADAL" clId="{9C06CBEB-0343-4287-8B81-0C702673DE5E}"/>
+    <pc:docChg chg="undo redo custSel addSld delSld modSld sldOrd">
+      <pc:chgData name="Weifeng Xu" userId="e7aed605-a3dd-4d5a-a692-a87037af107b" providerId="ADAL" clId="{9C06CBEB-0343-4287-8B81-0C702673DE5E}" dt="2025-04-23T23:34:27.047" v="4553" actId="1076"/>
+      <pc:docMkLst>
+        <pc:docMk/>
+      </pc:docMkLst>
+      <pc:sldChg chg="modSp mod">
+        <pc:chgData name="Weifeng Xu" userId="e7aed605-a3dd-4d5a-a692-a87037af107b" providerId="ADAL" clId="{9C06CBEB-0343-4287-8B81-0C702673DE5E}" dt="2025-04-23T01:31:59.756" v="4545" actId="20577"/>
+        <pc:sldMkLst>
+          <pc:docMk/>
+          <pc:sldMk cId="1325061211" sldId="256"/>
+        </pc:sldMkLst>
+        <pc:spChg chg="mod">
+          <ac:chgData name="Weifeng Xu" userId="e7aed605-a3dd-4d5a-a692-a87037af107b" providerId="ADAL" clId="{9C06CBEB-0343-4287-8B81-0C702673DE5E}" dt="2025-04-23T01:31:59.756" v="4545" actId="20577"/>
+          <ac:spMkLst>
+            <pc:docMk/>
+            <pc:sldMk cId="1325061211" sldId="256"/>
+            <ac:spMk id="2" creationId="{00000000-0000-0000-0000-000000000000}"/>
+          </ac:spMkLst>
+        </pc:spChg>
+      </pc:sldChg>
+      <pc:sldChg chg="addSp delSp modSp mod modClrScheme chgLayout">
+        <pc:chgData name="Weifeng Xu" userId="e7aed605-a3dd-4d5a-a692-a87037af107b" providerId="ADAL" clId="{9C06CBEB-0343-4287-8B81-0C702673DE5E}" dt="2025-04-20T02:53:00.098" v="242" actId="20577"/>
+        <pc:sldMkLst>
+          <pc:docMk/>
+          <pc:sldMk cId="2201572609" sldId="257"/>
+        </pc:sldMkLst>
+      </pc:sldChg>
+      <pc:sldChg chg="addSp delSp modSp mod modClrScheme chgLayout">
+        <pc:chgData name="Weifeng Xu" userId="e7aed605-a3dd-4d5a-a692-a87037af107b" providerId="ADAL" clId="{9C06CBEB-0343-4287-8B81-0C702673DE5E}" dt="2025-04-22T03:01:31.344" v="3590" actId="1076"/>
+        <pc:sldMkLst>
+          <pc:docMk/>
+          <pc:sldMk cId="450669007" sldId="258"/>
+        </pc:sldMkLst>
+      </pc:sldChg>
+      <pc:sldChg chg="addSp delSp modSp add mod">
+        <pc:chgData name="Weifeng Xu" userId="e7aed605-a3dd-4d5a-a692-a87037af107b" providerId="ADAL" clId="{9C06CBEB-0343-4287-8B81-0C702673DE5E}" dt="2025-04-23T00:43:03.009" v="4084" actId="20577"/>
+        <pc:sldMkLst>
+          <pc:docMk/>
+          <pc:sldMk cId="3233567480" sldId="259"/>
+        </pc:sldMkLst>
+      </pc:sldChg>
+      <pc:sldChg chg="addSp delSp modSp new mod">
+        <pc:chgData name="Weifeng Xu" userId="e7aed605-a3dd-4d5a-a692-a87037af107b" providerId="ADAL" clId="{9C06CBEB-0343-4287-8B81-0C702673DE5E}" dt="2025-04-21T12:06:27.352" v="1955" actId="1076"/>
+        <pc:sldMkLst>
+          <pc:docMk/>
+          <pc:sldMk cId="2715224073" sldId="260"/>
+        </pc:sldMkLst>
+      </pc:sldChg>
+      <pc:sldChg chg="addSp delSp modSp new mod modClrScheme chgLayout">
+        <pc:chgData name="Weifeng Xu" userId="e7aed605-a3dd-4d5a-a692-a87037af107b" providerId="ADAL" clId="{9C06CBEB-0343-4287-8B81-0C702673DE5E}" dt="2025-04-22T01:35:22.881" v="2625" actId="14100"/>
+        <pc:sldMkLst>
+          <pc:docMk/>
+          <pc:sldMk cId="1030786537" sldId="261"/>
+        </pc:sldMkLst>
+      </pc:sldChg>
+      <pc:sldChg chg="addSp delSp modSp new mod">
+        <pc:chgData name="Weifeng Xu" userId="e7aed605-a3dd-4d5a-a692-a87037af107b" providerId="ADAL" clId="{9C06CBEB-0343-4287-8B81-0C702673DE5E}" dt="2025-04-23T00:36:22.083" v="3996" actId="20577"/>
+        <pc:sldMkLst>
+          <pc:docMk/>
+          <pc:sldMk cId="3284022864" sldId="262"/>
+        </pc:sldMkLst>
+      </pc:sldChg>
+      <pc:sldChg chg="addSp delSp modSp new mod">
+        <pc:chgData name="Weifeng Xu" userId="e7aed605-a3dd-4d5a-a692-a87037af107b" providerId="ADAL" clId="{9C06CBEB-0343-4287-8B81-0C702673DE5E}" dt="2025-04-23T00:40:19.679" v="4005" actId="6549"/>
+        <pc:sldMkLst>
+          <pc:docMk/>
+          <pc:sldMk cId="786756272" sldId="263"/>
+        </pc:sldMkLst>
+      </pc:sldChg>
+      <pc:sldChg chg="addSp delSp modSp new mod modClrScheme chgLayout">
+        <pc:chgData name="Weifeng Xu" userId="e7aed605-a3dd-4d5a-a692-a87037af107b" providerId="ADAL" clId="{9C06CBEB-0343-4287-8B81-0C702673DE5E}" dt="2025-04-23T00:42:08.933" v="4070" actId="108"/>
+        <pc:sldMkLst>
+          <pc:docMk/>
+          <pc:sldMk cId="3548515090" sldId="264"/>
+        </pc:sldMkLst>
+      </pc:sldChg>
+      <pc:sldChg chg="addSp delSp modSp new mod modClrScheme chgLayout modNotesTx">
+        <pc:chgData name="Weifeng Xu" userId="e7aed605-a3dd-4d5a-a692-a87037af107b" providerId="ADAL" clId="{9C06CBEB-0343-4287-8B81-0C702673DE5E}" dt="2025-04-21T13:40:04.327" v="2094" actId="207"/>
+        <pc:sldMkLst>
+          <pc:docMk/>
+          <pc:sldMk cId="3523214092" sldId="265"/>
+        </pc:sldMkLst>
+      </pc:sldChg>
+      <pc:sldChg chg="addSp delSp modSp new mod ord modClrScheme chgLayout">
+        <pc:chgData name="Weifeng Xu" userId="e7aed605-a3dd-4d5a-a692-a87037af107b" providerId="ADAL" clId="{9C06CBEB-0343-4287-8B81-0C702673DE5E}" dt="2025-04-23T01:02:14.800" v="4310" actId="207"/>
+        <pc:sldMkLst>
+          <pc:docMk/>
+          <pc:sldMk cId="756868712" sldId="266"/>
+        </pc:sldMkLst>
+      </pc:sldChg>
+      <pc:sldChg chg="addSp delSp modSp add mod">
+        <pc:chgData name="Weifeng Xu" userId="e7aed605-a3dd-4d5a-a692-a87037af107b" providerId="ADAL" clId="{9C06CBEB-0343-4287-8B81-0C702673DE5E}" dt="2025-04-22T02:46:00.589" v="3485" actId="20577"/>
+        <pc:sldMkLst>
+          <pc:docMk/>
+          <pc:sldMk cId="2973990778" sldId="267"/>
+        </pc:sldMkLst>
+      </pc:sldChg>
+      <pc:sldChg chg="addSp delSp modSp add del mod">
+        <pc:chgData name="Weifeng Xu" userId="e7aed605-a3dd-4d5a-a692-a87037af107b" providerId="ADAL" clId="{9C06CBEB-0343-4287-8B81-0C702673DE5E}" dt="2025-04-22T12:56:50.206" v="3699" actId="1076"/>
+        <pc:sldMkLst>
+          <pc:docMk/>
+          <pc:sldMk cId="2042884208" sldId="268"/>
+        </pc:sldMkLst>
+      </pc:sldChg>
+      <pc:sldChg chg="addSp delSp modSp add mod modClrScheme chgLayout">
+        <pc:chgData name="Weifeng Xu" userId="e7aed605-a3dd-4d5a-a692-a87037af107b" providerId="ADAL" clId="{9C06CBEB-0343-4287-8B81-0C702673DE5E}" dt="2025-04-23T01:19:14.631" v="4375" actId="207"/>
+        <pc:sldMkLst>
+          <pc:docMk/>
+          <pc:sldMk cId="3256057421" sldId="269"/>
+        </pc:sldMkLst>
+      </pc:sldChg>
+      <pc:sldChg chg="addSp modSp add mod">
+        <pc:chgData name="Weifeng Xu" userId="e7aed605-a3dd-4d5a-a692-a87037af107b" providerId="ADAL" clId="{9C06CBEB-0343-4287-8B81-0C702673DE5E}" dt="2025-04-23T01:19:18.460" v="4376" actId="207"/>
+        <pc:sldMkLst>
+          <pc:docMk/>
+          <pc:sldMk cId="146876777" sldId="270"/>
+        </pc:sldMkLst>
+      </pc:sldChg>
+      <pc:sldChg chg="addSp delSp modSp add mod modClrScheme chgLayout">
+        <pc:chgData name="Weifeng Xu" userId="e7aed605-a3dd-4d5a-a692-a87037af107b" providerId="ADAL" clId="{9C06CBEB-0343-4287-8B81-0C702673DE5E}" dt="2025-04-23T01:26:00.614" v="4493" actId="1076"/>
+        <pc:sldMkLst>
+          <pc:docMk/>
+          <pc:sldMk cId="1939243851" sldId="271"/>
+        </pc:sldMkLst>
+      </pc:sldChg>
+      <pc:sldChg chg="addSp modSp new mod">
+        <pc:chgData name="Weifeng Xu" userId="e7aed605-a3dd-4d5a-a692-a87037af107b" providerId="ADAL" clId="{9C06CBEB-0343-4287-8B81-0C702673DE5E}" dt="2025-04-23T23:34:27.047" v="4553" actId="1076"/>
+        <pc:sldMkLst>
+          <pc:docMk/>
+          <pc:sldMk cId="2238745649" sldId="272"/>
+        </pc:sldMkLst>
+      </pc:sldChg>
+    </pc:docChg>
+  </pc:docChgLst>
+  <pc:docChgLst>
+    <pc:chgData name="Weifeng Xu" userId="e7aed605-a3dd-4d5a-a692-a87037af107b" providerId="ADAL" clId="{8E5A6AEC-921D-4BE6-8002-CC8D4F2830D2}"/>
+    <pc:docChg chg="undo custSel addSld delSld modSld">
+      <pc:chgData name="Weifeng Xu" userId="e7aed605-a3dd-4d5a-a692-a87037af107b" providerId="ADAL" clId="{8E5A6AEC-921D-4BE6-8002-CC8D4F2830D2}" dt="2025-04-28T15:23:27.017" v="746" actId="6549"/>
+      <pc:docMkLst>
+        <pc:docMk/>
+      </pc:docMkLst>
+      <pc:sldChg chg="modSp mod chgLayout">
+        <pc:chgData name="Weifeng Xu" userId="e7aed605-a3dd-4d5a-a692-a87037af107b" providerId="ADAL" clId="{8E5A6AEC-921D-4BE6-8002-CC8D4F2830D2}" dt="2025-04-27T15:24:07.342" v="34" actId="700"/>
+        <pc:sldMkLst>
+          <pc:docMk/>
+          <pc:sldMk cId="1325061211" sldId="256"/>
+        </pc:sldMkLst>
+        <pc:spChg chg="mod ord">
+          <ac:chgData name="Weifeng Xu" userId="e7aed605-a3dd-4d5a-a692-a87037af107b" providerId="ADAL" clId="{8E5A6AEC-921D-4BE6-8002-CC8D4F2830D2}" dt="2025-04-27T15:24:07.342" v="34" actId="700"/>
+          <ac:spMkLst>
+            <pc:docMk/>
+            <pc:sldMk cId="1325061211" sldId="256"/>
+            <ac:spMk id="2" creationId="{00000000-0000-0000-0000-000000000000}"/>
+          </ac:spMkLst>
+        </pc:spChg>
+        <pc:spChg chg="mod ord">
+          <ac:chgData name="Weifeng Xu" userId="e7aed605-a3dd-4d5a-a692-a87037af107b" providerId="ADAL" clId="{8E5A6AEC-921D-4BE6-8002-CC8D4F2830D2}" dt="2025-04-27T15:24:07.342" v="34" actId="700"/>
+          <ac:spMkLst>
+            <pc:docMk/>
+            <pc:sldMk cId="1325061211" sldId="256"/>
+            <ac:spMk id="3" creationId="{00000000-0000-0000-0000-000000000000}"/>
+          </ac:spMkLst>
+        </pc:spChg>
+      </pc:sldChg>
+      <pc:sldChg chg="del">
+        <pc:chgData name="Weifeng Xu" userId="e7aed605-a3dd-4d5a-a692-a87037af107b" providerId="ADAL" clId="{8E5A6AEC-921D-4BE6-8002-CC8D4F2830D2}" dt="2025-04-27T15:25:06.899" v="35" actId="47"/>
+        <pc:sldMkLst>
+          <pc:docMk/>
+          <pc:sldMk cId="2201572609" sldId="257"/>
+        </pc:sldMkLst>
+      </pc:sldChg>
+      <pc:sldChg chg="addSp modSp new mod">
+        <pc:chgData name="Weifeng Xu" userId="e7aed605-a3dd-4d5a-a692-a87037af107b" providerId="ADAL" clId="{8E5A6AEC-921D-4BE6-8002-CC8D4F2830D2}" dt="2025-04-27T15:43:48.595" v="157" actId="1076"/>
+        <pc:sldMkLst>
+          <pc:docMk/>
+          <pc:sldMk cId="2572427240" sldId="257"/>
+        </pc:sldMkLst>
+      </pc:sldChg>
+      <pc:sldChg chg="del">
+        <pc:chgData name="Weifeng Xu" userId="e7aed605-a3dd-4d5a-a692-a87037af107b" providerId="ADAL" clId="{8E5A6AEC-921D-4BE6-8002-CC8D4F2830D2}" dt="2025-04-27T15:25:07.244" v="36" actId="47"/>
+        <pc:sldMkLst>
+          <pc:docMk/>
+          <pc:sldMk cId="450669007" sldId="258"/>
+        </pc:sldMkLst>
+      </pc:sldChg>
+      <pc:sldChg chg="addSp delSp modSp new mod modClrScheme chgLayout">
+        <pc:chgData name="Weifeng Xu" userId="e7aed605-a3dd-4d5a-a692-a87037af107b" providerId="ADAL" clId="{8E5A6AEC-921D-4BE6-8002-CC8D4F2830D2}" dt="2025-04-27T16:01:11.569" v="507" actId="207"/>
+        <pc:sldMkLst>
+          <pc:docMk/>
+          <pc:sldMk cId="3100494254" sldId="258"/>
+        </pc:sldMkLst>
+      </pc:sldChg>
+      <pc:sldChg chg="modSp new mod">
+        <pc:chgData name="Weifeng Xu" userId="e7aed605-a3dd-4d5a-a692-a87037af107b" providerId="ADAL" clId="{8E5A6AEC-921D-4BE6-8002-CC8D4F2830D2}" dt="2025-04-27T16:03:14.809" v="520" actId="207"/>
+        <pc:sldMkLst>
+          <pc:docMk/>
+          <pc:sldMk cId="1655253961" sldId="259"/>
+        </pc:sldMkLst>
+      </pc:sldChg>
+      <pc:sldChg chg="del">
+        <pc:chgData name="Weifeng Xu" userId="e7aed605-a3dd-4d5a-a692-a87037af107b" providerId="ADAL" clId="{8E5A6AEC-921D-4BE6-8002-CC8D4F2830D2}" dt="2025-04-27T15:25:07.654" v="37" actId="47"/>
+        <pc:sldMkLst>
+          <pc:docMk/>
+          <pc:sldMk cId="3233567480" sldId="259"/>
+        </pc:sldMkLst>
+      </pc:sldChg>
+      <pc:sldChg chg="del">
+        <pc:chgData name="Weifeng Xu" userId="e7aed605-a3dd-4d5a-a692-a87037af107b" providerId="ADAL" clId="{8E5A6AEC-921D-4BE6-8002-CC8D4F2830D2}" dt="2025-04-27T15:25:09.947" v="46" actId="47"/>
+        <pc:sldMkLst>
+          <pc:docMk/>
+          <pc:sldMk cId="2715224073" sldId="260"/>
+        </pc:sldMkLst>
+      </pc:sldChg>
+      <pc:sldChg chg="modSp new mod">
+        <pc:chgData name="Weifeng Xu" userId="e7aed605-a3dd-4d5a-a692-a87037af107b" providerId="ADAL" clId="{8E5A6AEC-921D-4BE6-8002-CC8D4F2830D2}" dt="2025-04-27T16:04:14.976" v="601" actId="313"/>
+        <pc:sldMkLst>
+          <pc:docMk/>
+          <pc:sldMk cId="3375603492" sldId="260"/>
+        </pc:sldMkLst>
+      </pc:sldChg>
+      <pc:sldChg chg="modSp new mod">
+        <pc:chgData name="Weifeng Xu" userId="e7aed605-a3dd-4d5a-a692-a87037af107b" providerId="ADAL" clId="{8E5A6AEC-921D-4BE6-8002-CC8D4F2830D2}" dt="2025-04-27T16:05:14.474" v="618"/>
+        <pc:sldMkLst>
+          <pc:docMk/>
+          <pc:sldMk cId="909895920" sldId="261"/>
+        </pc:sldMkLst>
+      </pc:sldChg>
+      <pc:sldChg chg="del">
+        <pc:chgData name="Weifeng Xu" userId="e7aed605-a3dd-4d5a-a692-a87037af107b" providerId="ADAL" clId="{8E5A6AEC-921D-4BE6-8002-CC8D4F2830D2}" dt="2025-04-27T15:25:07.871" v="38" actId="47"/>
+        <pc:sldMkLst>
+          <pc:docMk/>
+          <pc:sldMk cId="1030786537" sldId="261"/>
+        </pc:sldMkLst>
+      </pc:sldChg>
+      <pc:sldChg chg="addSp delSp modSp new mod">
+        <pc:chgData name="Weifeng Xu" userId="e7aed605-a3dd-4d5a-a692-a87037af107b" providerId="ADAL" clId="{8E5A6AEC-921D-4BE6-8002-CC8D4F2830D2}" dt="2025-04-28T15:23:27.017" v="746" actId="6549"/>
+        <pc:sldMkLst>
+          <pc:docMk/>
+          <pc:sldMk cId="1010189504" sldId="262"/>
+        </pc:sldMkLst>
+      </pc:sldChg>
+      <pc:sldChg chg="del">
+        <pc:chgData name="Weifeng Xu" userId="e7aed605-a3dd-4d5a-a692-a87037af107b" providerId="ADAL" clId="{8E5A6AEC-921D-4BE6-8002-CC8D4F2830D2}" dt="2025-04-27T15:25:08.095" v="39" actId="47"/>
+        <pc:sldMkLst>
+          <pc:docMk/>
+          <pc:sldMk cId="3548515090" sldId="264"/>
+        </pc:sldMkLst>
+      </pc:sldChg>
+      <pc:sldChg chg="del">
+        <pc:chgData name="Weifeng Xu" userId="e7aed605-a3dd-4d5a-a692-a87037af107b" providerId="ADAL" clId="{8E5A6AEC-921D-4BE6-8002-CC8D4F2830D2}" dt="2025-04-27T15:25:10.434" v="47" actId="47"/>
+        <pc:sldMkLst>
+          <pc:docMk/>
+          <pc:sldMk cId="3523214092" sldId="265"/>
+        </pc:sldMkLst>
+      </pc:sldChg>
+      <pc:sldChg chg="del">
+        <pc:chgData name="Weifeng Xu" userId="e7aed605-a3dd-4d5a-a692-a87037af107b" providerId="ADAL" clId="{8E5A6AEC-921D-4BE6-8002-CC8D4F2830D2}" dt="2025-04-27T15:25:08.929" v="43" actId="47"/>
+        <pc:sldMkLst>
+          <pc:docMk/>
+          <pc:sldMk cId="756868712" sldId="266"/>
+        </pc:sldMkLst>
+      </pc:sldChg>
+      <pc:sldChg chg="del">
+        <pc:chgData name="Weifeng Xu" userId="e7aed605-a3dd-4d5a-a692-a87037af107b" providerId="ADAL" clId="{8E5A6AEC-921D-4BE6-8002-CC8D4F2830D2}" dt="2025-04-27T15:25:09.145" v="44" actId="47"/>
+        <pc:sldMkLst>
+          <pc:docMk/>
+          <pc:sldMk cId="2973990778" sldId="267"/>
+        </pc:sldMkLst>
+      </pc:sldChg>
+      <pc:sldChg chg="del">
+        <pc:chgData name="Weifeng Xu" userId="e7aed605-a3dd-4d5a-a692-a87037af107b" providerId="ADAL" clId="{8E5A6AEC-921D-4BE6-8002-CC8D4F2830D2}" dt="2025-04-27T15:25:09.362" v="45" actId="47"/>
+        <pc:sldMkLst>
+          <pc:docMk/>
+          <pc:sldMk cId="2042884208" sldId="268"/>
+        </pc:sldMkLst>
+      </pc:sldChg>
+      <pc:sldChg chg="del">
+        <pc:chgData name="Weifeng Xu" userId="e7aed605-a3dd-4d5a-a692-a87037af107b" providerId="ADAL" clId="{8E5A6AEC-921D-4BE6-8002-CC8D4F2830D2}" dt="2025-04-27T15:25:08.271" v="40" actId="47"/>
+        <pc:sldMkLst>
+          <pc:docMk/>
+          <pc:sldMk cId="3256057421" sldId="269"/>
+        </pc:sldMkLst>
+      </pc:sldChg>
+      <pc:sldChg chg="del">
+        <pc:chgData name="Weifeng Xu" userId="e7aed605-a3dd-4d5a-a692-a87037af107b" providerId="ADAL" clId="{8E5A6AEC-921D-4BE6-8002-CC8D4F2830D2}" dt="2025-04-27T15:25:08.466" v="41" actId="47"/>
+        <pc:sldMkLst>
+          <pc:docMk/>
+          <pc:sldMk cId="146876777" sldId="270"/>
+        </pc:sldMkLst>
+      </pc:sldChg>
+      <pc:sldChg chg="del">
+        <pc:chgData name="Weifeng Xu" userId="e7aed605-a3dd-4d5a-a692-a87037af107b" providerId="ADAL" clId="{8E5A6AEC-921D-4BE6-8002-CC8D4F2830D2}" dt="2025-04-27T15:25:08.686" v="42" actId="47"/>
+        <pc:sldMkLst>
+          <pc:docMk/>
+          <pc:sldMk cId="1939243851" sldId="271"/>
+        </pc:sldMkLst>
+      </pc:sldChg>
+      <pc:sldChg chg="del">
+        <pc:chgData name="Weifeng Xu" userId="e7aed605-a3dd-4d5a-a692-a87037af107b" providerId="ADAL" clId="{8E5A6AEC-921D-4BE6-8002-CC8D4F2830D2}" dt="2025-04-27T15:25:11.096" v="48" actId="47"/>
+        <pc:sldMkLst>
+          <pc:docMk/>
+          <pc:sldMk cId="2238745649" sldId="272"/>
+        </pc:sldMkLst>
+      </pc:sldChg>
+    </pc:docChg>
+  </pc:docChgLst>
+  <pc:docChgLst>
+    <pc:chgData name="Weifeng Xu" userId="e7aed605-a3dd-4d5a-a692-a87037af107b" providerId="ADAL" clId="{781DD69C-B3C3-4AA3-A094-E5C237C15CAE}"/>
+    <pc:docChg chg="delSld">
+      <pc:chgData name="Weifeng Xu" userId="e7aed605-a3dd-4d5a-a692-a87037af107b" providerId="ADAL" clId="{781DD69C-B3C3-4AA3-A094-E5C237C15CAE}" dt="2025-04-26T15:34:37.721" v="1" actId="47"/>
+      <pc:docMkLst>
+        <pc:docMk/>
+      </pc:docMkLst>
+      <pc:sldChg chg="del">
+        <pc:chgData name="Weifeng Xu" userId="e7aed605-a3dd-4d5a-a692-a87037af107b" providerId="ADAL" clId="{781DD69C-B3C3-4AA3-A094-E5C237C15CAE}" dt="2025-04-26T15:34:36.333" v="0" actId="47"/>
+        <pc:sldMkLst>
+          <pc:docMk/>
+          <pc:sldMk cId="3284022864" sldId="262"/>
+        </pc:sldMkLst>
+      </pc:sldChg>
+      <pc:sldChg chg="del">
+        <pc:chgData name="Weifeng Xu" userId="e7aed605-a3dd-4d5a-a692-a87037af107b" providerId="ADAL" clId="{781DD69C-B3C3-4AA3-A094-E5C237C15CAE}" dt="2025-04-26T15:34:37.721" v="1" actId="47"/>
+        <pc:sldMkLst>
+          <pc:docMk/>
+          <pc:sldMk cId="786756272" sldId="263"/>
+        </pc:sldMkLst>
+      </pc:sldChg>
+    </pc:docChg>
+  </pc:docChgLst>
+  <pc:docChgLst>
+    <pc:chgData name="Weifeng Xu" userId="e7aed605-a3dd-4d5a-a692-a87037af107b" providerId="ADAL" clId="{30C724EF-4842-4D28-AD5E-F8ADBCCE7FC4}"/>
+    <pc:docChg chg="undo custSel addSld delSld modSld">
+      <pc:chgData name="Weifeng Xu" userId="e7aed605-a3dd-4d5a-a692-a87037af107b" providerId="ADAL" clId="{30C724EF-4842-4D28-AD5E-F8ADBCCE7FC4}" dt="2025-05-22T20:21:24.936" v="258" actId="27636"/>
+      <pc:docMkLst>
+        <pc:docMk/>
+      </pc:docMkLst>
+      <pc:sldChg chg="delSp modSp mod">
+        <pc:chgData name="Weifeng Xu" userId="e7aed605-a3dd-4d5a-a692-a87037af107b" providerId="ADAL" clId="{30C724EF-4842-4D28-AD5E-F8ADBCCE7FC4}" dt="2025-05-02T14:27:30.559" v="26" actId="6549"/>
+        <pc:sldMkLst>
+          <pc:docMk/>
+          <pc:sldMk cId="1325061211" sldId="256"/>
+        </pc:sldMkLst>
+        <pc:spChg chg="mod">
+          <ac:chgData name="Weifeng Xu" userId="e7aed605-a3dd-4d5a-a692-a87037af107b" providerId="ADAL" clId="{30C724EF-4842-4D28-AD5E-F8ADBCCE7FC4}" dt="2025-05-02T14:26:53.935" v="23" actId="6549"/>
+          <ac:spMkLst>
+            <pc:docMk/>
+            <pc:sldMk cId="1325061211" sldId="256"/>
+            <ac:spMk id="2" creationId="{00000000-0000-0000-0000-000000000000}"/>
+          </ac:spMkLst>
+        </pc:spChg>
+        <pc:spChg chg="mod">
+          <ac:chgData name="Weifeng Xu" userId="e7aed605-a3dd-4d5a-a692-a87037af107b" providerId="ADAL" clId="{30C724EF-4842-4D28-AD5E-F8ADBCCE7FC4}" dt="2025-05-02T14:27:30.559" v="26" actId="6549"/>
+          <ac:spMkLst>
+            <pc:docMk/>
+            <pc:sldMk cId="1325061211" sldId="256"/>
+            <ac:spMk id="3" creationId="{00000000-0000-0000-0000-000000000000}"/>
+          </ac:spMkLst>
+        </pc:spChg>
+      </pc:sldChg>
+      <pc:sldChg chg="modSp new mod">
+        <pc:chgData name="Weifeng Xu" userId="e7aed605-a3dd-4d5a-a692-a87037af107b" providerId="ADAL" clId="{30C724EF-4842-4D28-AD5E-F8ADBCCE7FC4}" dt="2025-05-02T14:27:48.979" v="28"/>
+        <pc:sldMkLst>
+          <pc:docMk/>
+          <pc:sldMk cId="1640287784" sldId="257"/>
+        </pc:sldMkLst>
+        <pc:spChg chg="mod">
+          <ac:chgData name="Weifeng Xu" userId="e7aed605-a3dd-4d5a-a692-a87037af107b" providerId="ADAL" clId="{30C724EF-4842-4D28-AD5E-F8ADBCCE7FC4}" dt="2025-05-02T14:27:41.468" v="27"/>
+          <ac:spMkLst>
+            <pc:docMk/>
+            <pc:sldMk cId="1640287784" sldId="257"/>
+            <ac:spMk id="2" creationId="{D5872EB5-8AC7-758B-04BB-0409873AD729}"/>
+          </ac:spMkLst>
+        </pc:spChg>
+        <pc:spChg chg="mod">
+          <ac:chgData name="Weifeng Xu" userId="e7aed605-a3dd-4d5a-a692-a87037af107b" providerId="ADAL" clId="{30C724EF-4842-4D28-AD5E-F8ADBCCE7FC4}" dt="2025-05-02T14:27:48.979" v="28"/>
+          <ac:spMkLst>
+            <pc:docMk/>
+            <pc:sldMk cId="1640287784" sldId="257"/>
+            <ac:spMk id="3" creationId="{3F18508C-4CCB-C0D8-5A5A-B186FAAA1DC4}"/>
+          </ac:spMkLst>
+        </pc:spChg>
+      </pc:sldChg>
+      <pc:sldChg chg="del">
+        <pc:chgData name="Weifeng Xu" userId="e7aed605-a3dd-4d5a-a692-a87037af107b" providerId="ADAL" clId="{30C724EF-4842-4D28-AD5E-F8ADBCCE7FC4}" dt="2025-05-02T14:26:32.787" v="0" actId="47"/>
+        <pc:sldMkLst>
+          <pc:docMk/>
+          <pc:sldMk cId="2003605107" sldId="257"/>
+        </pc:sldMkLst>
+      </pc:sldChg>
+      <pc:sldChg chg="modSp new mod">
+        <pc:chgData name="Weifeng Xu" userId="e7aed605-a3dd-4d5a-a692-a87037af107b" providerId="ADAL" clId="{30C724EF-4842-4D28-AD5E-F8ADBCCE7FC4}" dt="2025-05-02T14:31:22.834" v="56" actId="108"/>
+        <pc:sldMkLst>
+          <pc:docMk/>
+          <pc:sldMk cId="717681411" sldId="258"/>
+        </pc:sldMkLst>
+        <pc:spChg chg="mod">
+          <ac:chgData name="Weifeng Xu" userId="e7aed605-a3dd-4d5a-a692-a87037af107b" providerId="ADAL" clId="{30C724EF-4842-4D28-AD5E-F8ADBCCE7FC4}" dt="2025-05-02T14:31:22.834" v="56" actId="108"/>
+          <ac:spMkLst>
+            <pc:docMk/>
+            <pc:sldMk cId="717681411" sldId="258"/>
+            <ac:spMk id="2" creationId="{97E234DB-4DC9-8DB6-0C81-5516DBC7D43B}"/>
+          </ac:spMkLst>
+        </pc:spChg>
+        <pc:spChg chg="mod">
+          <ac:chgData name="Weifeng Xu" userId="e7aed605-a3dd-4d5a-a692-a87037af107b" providerId="ADAL" clId="{30C724EF-4842-4D28-AD5E-F8ADBCCE7FC4}" dt="2025-05-02T14:28:15.654" v="33" actId="20577"/>
+          <ac:spMkLst>
+            <pc:docMk/>
+            <pc:sldMk cId="717681411" sldId="258"/>
+            <ac:spMk id="3" creationId="{D5B32E51-2D31-652A-ECD0-EBE42C7C1A91}"/>
+          </ac:spMkLst>
+        </pc:spChg>
+      </pc:sldChg>
+      <pc:sldChg chg="del">
+        <pc:chgData name="Weifeng Xu" userId="e7aed605-a3dd-4d5a-a692-a87037af107b" providerId="ADAL" clId="{30C724EF-4842-4D28-AD5E-F8ADBCCE7FC4}" dt="2025-05-02T14:26:32.949" v="1" actId="47"/>
+        <pc:sldMkLst>
+          <pc:docMk/>
+          <pc:sldMk cId="3148078500" sldId="258"/>
+        </pc:sldMkLst>
+      </pc:sldChg>
+      <pc:sldChg chg="del">
+        <pc:chgData name="Weifeng Xu" userId="e7aed605-a3dd-4d5a-a692-a87037af107b" providerId="ADAL" clId="{30C724EF-4842-4D28-AD5E-F8ADBCCE7FC4}" dt="2025-05-02T14:26:33.102" v="2" actId="47"/>
+        <pc:sldMkLst>
+          <pc:docMk/>
+          <pc:sldMk cId="2942233055" sldId="259"/>
+        </pc:sldMkLst>
+      </pc:sldChg>
+      <pc:sldChg chg="modSp new mod">
+        <pc:chgData name="Weifeng Xu" userId="e7aed605-a3dd-4d5a-a692-a87037af107b" providerId="ADAL" clId="{30C724EF-4842-4D28-AD5E-F8ADBCCE7FC4}" dt="2025-05-02T14:31:19.127" v="55" actId="108"/>
+        <pc:sldMkLst>
+          <pc:docMk/>
+          <pc:sldMk cId="3856045583" sldId="259"/>
+        </pc:sldMkLst>
+        <pc:spChg chg="mod">
+          <ac:chgData name="Weifeng Xu" userId="e7aed605-a3dd-4d5a-a692-a87037af107b" providerId="ADAL" clId="{30C724EF-4842-4D28-AD5E-F8ADBCCE7FC4}" dt="2025-05-02T14:31:19.127" v="55" actId="108"/>
+          <ac:spMkLst>
+            <pc:docMk/>
+            <pc:sldMk cId="3856045583" sldId="259"/>
+            <ac:spMk id="2" creationId="{34D10492-63FD-8A9D-0E81-77319D076F6A}"/>
+          </ac:spMkLst>
+        </pc:spChg>
+        <pc:spChg chg="mod">
+          <ac:chgData name="Weifeng Xu" userId="e7aed605-a3dd-4d5a-a692-a87037af107b" providerId="ADAL" clId="{30C724EF-4842-4D28-AD5E-F8ADBCCE7FC4}" dt="2025-05-02T14:28:58.055" v="36"/>
+          <ac:spMkLst>
+            <pc:docMk/>
+            <pc:sldMk cId="3856045583" sldId="259"/>
+            <ac:spMk id="3" creationId="{5694D4D4-5C71-8BBD-E021-77BB34586E68}"/>
+          </ac:spMkLst>
+        </pc:spChg>
+      </pc:sldChg>
+      <pc:sldChg chg="addSp delSp modSp new mod modClrScheme chgLayout">
+        <pc:chgData name="Weifeng Xu" userId="e7aed605-a3dd-4d5a-a692-a87037af107b" providerId="ADAL" clId="{30C724EF-4842-4D28-AD5E-F8ADBCCE7FC4}" dt="2025-05-22T20:19:44.453" v="225" actId="14100"/>
+        <pc:sldMkLst>
+          <pc:docMk/>
+          <pc:sldMk cId="1123301564" sldId="260"/>
+        </pc:sldMkLst>
+        <pc:spChg chg="mod">
+          <ac:chgData name="Weifeng Xu" userId="e7aed605-a3dd-4d5a-a692-a87037af107b" providerId="ADAL" clId="{30C724EF-4842-4D28-AD5E-F8ADBCCE7FC4}" dt="2025-05-22T20:19:17.588" v="218" actId="26606"/>
+          <ac:spMkLst>
+            <pc:docMk/>
+            <pc:sldMk cId="1123301564" sldId="260"/>
+            <ac:spMk id="2" creationId="{1A5EF974-3F97-0D92-C572-38F808BD0F9B}"/>
+          </ac:spMkLst>
+        </pc:spChg>
+        <pc:spChg chg="mod">
+          <ac:chgData name="Weifeng Xu" userId="e7aed605-a3dd-4d5a-a692-a87037af107b" providerId="ADAL" clId="{30C724EF-4842-4D28-AD5E-F8ADBCCE7FC4}" dt="2025-05-22T20:19:20.427" v="220" actId="27636"/>
+          <ac:spMkLst>
+            <pc:docMk/>
+            <pc:sldMk cId="1123301564" sldId="260"/>
+            <ac:spMk id="3" creationId="{47B05E4A-7278-F4F3-0E91-56300A2375FC}"/>
+          </ac:spMkLst>
+        </pc:spChg>
+        <pc:picChg chg="add mod">
+          <ac:chgData name="Weifeng Xu" userId="e7aed605-a3dd-4d5a-a692-a87037af107b" providerId="ADAL" clId="{30C724EF-4842-4D28-AD5E-F8ADBCCE7FC4}" dt="2025-05-22T20:19:25.413" v="222" actId="1076"/>
+          <ac:picMkLst>
+            <pc:docMk/>
+            <pc:sldMk cId="1123301564" sldId="260"/>
+            <ac:picMk id="4" creationId="{3CD39D91-B91A-655F-C9B4-E6CFEADED1E6}"/>
+          </ac:picMkLst>
+        </pc:picChg>
+        <pc:picChg chg="add del mod modCrop">
+          <ac:chgData name="Weifeng Xu" userId="e7aed605-a3dd-4d5a-a692-a87037af107b" providerId="ADAL" clId="{30C724EF-4842-4D28-AD5E-F8ADBCCE7FC4}" dt="2025-05-22T20:18:55.975" v="212" actId="478"/>
+          <ac:picMkLst>
+            <pc:docMk/>
+            <pc:sldMk cId="1123301564" sldId="260"/>
+            <ac:picMk id="5" creationId="{C9283F90-D440-3130-5B88-27E7B23BE9ED}"/>
+          </ac:picMkLst>
+        </pc:picChg>
+        <pc:cxnChg chg="add mod">
+          <ac:chgData name="Weifeng Xu" userId="e7aed605-a3dd-4d5a-a692-a87037af107b" providerId="ADAL" clId="{30C724EF-4842-4D28-AD5E-F8ADBCCE7FC4}" dt="2025-05-22T20:19:44.453" v="225" actId="14100"/>
+          <ac:cxnSpMkLst>
+            <pc:docMk/>
+            <pc:sldMk cId="1123301564" sldId="260"/>
+            <ac:cxnSpMk id="7" creationId="{3CF8EF30-A3B6-523C-B770-7F69DFE68815}"/>
+          </ac:cxnSpMkLst>
+        </pc:cxnChg>
+      </pc:sldChg>
+      <pc:sldChg chg="del">
+        <pc:chgData name="Weifeng Xu" userId="e7aed605-a3dd-4d5a-a692-a87037af107b" providerId="ADAL" clId="{30C724EF-4842-4D28-AD5E-F8ADBCCE7FC4}" dt="2025-05-02T14:26:33.278" v="3" actId="47"/>
+        <pc:sldMkLst>
+          <pc:docMk/>
+          <pc:sldMk cId="4238292093" sldId="260"/>
+        </pc:sldMkLst>
+      </pc:sldChg>
+      <pc:sldChg chg="del">
+        <pc:chgData name="Weifeng Xu" userId="e7aed605-a3dd-4d5a-a692-a87037af107b" providerId="ADAL" clId="{30C724EF-4842-4D28-AD5E-F8ADBCCE7FC4}" dt="2025-05-02T14:26:33.438" v="4" actId="47"/>
+        <pc:sldMkLst>
+          <pc:docMk/>
+          <pc:sldMk cId="773548588" sldId="261"/>
+        </pc:sldMkLst>
+      </pc:sldChg>
+      <pc:sldChg chg="modSp new mod">
+        <pc:chgData name="Weifeng Xu" userId="e7aed605-a3dd-4d5a-a692-a87037af107b" providerId="ADAL" clId="{30C724EF-4842-4D28-AD5E-F8ADBCCE7FC4}" dt="2025-05-02T14:31:40.332" v="59" actId="20577"/>
+        <pc:sldMkLst>
+          <pc:docMk/>
+          <pc:sldMk cId="805984163" sldId="261"/>
+        </pc:sldMkLst>
+        <pc:spChg chg="mod">
+          <ac:chgData name="Weifeng Xu" userId="e7aed605-a3dd-4d5a-a692-a87037af107b" providerId="ADAL" clId="{30C724EF-4842-4D28-AD5E-F8ADBCCE7FC4}" dt="2025-05-02T14:31:09.580" v="53"/>
+          <ac:spMkLst>
+            <pc:docMk/>
+            <pc:sldMk cId="805984163" sldId="261"/>
+            <ac:spMk id="2" creationId="{22F4E845-2C82-0F6A-CCBA-7AB4DB8FAF23}"/>
+          </ac:spMkLst>
+        </pc:spChg>
+        <pc:spChg chg="mod">
+          <ac:chgData name="Weifeng Xu" userId="e7aed605-a3dd-4d5a-a692-a87037af107b" providerId="ADAL" clId="{30C724EF-4842-4D28-AD5E-F8ADBCCE7FC4}" dt="2025-05-02T14:31:40.332" v="59" actId="20577"/>
+          <ac:spMkLst>
+            <pc:docMk/>
+            <pc:sldMk cId="805984163" sldId="261"/>
+            <ac:spMk id="3" creationId="{6E1CABE2-6BEB-59B3-B43B-DEDAF7D81409}"/>
+          </ac:spMkLst>
+        </pc:spChg>
+      </pc:sldChg>
+      <pc:sldChg chg="modSp new mod">
+        <pc:chgData name="Weifeng Xu" userId="e7aed605-a3dd-4d5a-a692-a87037af107b" providerId="ADAL" clId="{30C724EF-4842-4D28-AD5E-F8ADBCCE7FC4}" dt="2025-05-02T14:32:29.484" v="64"/>
+        <pc:sldMkLst>
+          <pc:docMk/>
+          <pc:sldMk cId="914522820" sldId="262"/>
+        </pc:sldMkLst>
+        <pc:spChg chg="mod">
+          <ac:chgData name="Weifeng Xu" userId="e7aed605-a3dd-4d5a-a692-a87037af107b" providerId="ADAL" clId="{30C724EF-4842-4D28-AD5E-F8ADBCCE7FC4}" dt="2025-05-02T14:32:23.907" v="63"/>
+          <ac:spMkLst>
+            <pc:docMk/>
+            <pc:sldMk cId="914522820" sldId="262"/>
+            <ac:spMk id="2" creationId="{AE412169-E0B8-7BCB-63E8-B70134D68751}"/>
+          </ac:spMkLst>
+        </pc:spChg>
+        <pc:spChg chg="mod">
+          <ac:chgData name="Weifeng Xu" userId="e7aed605-a3dd-4d5a-a692-a87037af107b" providerId="ADAL" clId="{30C724EF-4842-4D28-AD5E-F8ADBCCE7FC4}" dt="2025-05-02T14:32:29.484" v="64"/>
+          <ac:spMkLst>
+            <pc:docMk/>
+            <pc:sldMk cId="914522820" sldId="262"/>
+            <ac:spMk id="3" creationId="{D2E67B60-FA13-8A98-4451-BAC4FD098743}"/>
+          </ac:spMkLst>
+        </pc:spChg>
+      </pc:sldChg>
+      <pc:sldChg chg="del">
+        <pc:chgData name="Weifeng Xu" userId="e7aed605-a3dd-4d5a-a692-a87037af107b" providerId="ADAL" clId="{30C724EF-4842-4D28-AD5E-F8ADBCCE7FC4}" dt="2025-05-02T14:26:33.690" v="5" actId="47"/>
+        <pc:sldMkLst>
+          <pc:docMk/>
+          <pc:sldMk cId="3939068785" sldId="262"/>
+        </pc:sldMkLst>
+      </pc:sldChg>
+      <pc:sldChg chg="del">
+        <pc:chgData name="Weifeng Xu" userId="e7aed605-a3dd-4d5a-a692-a87037af107b" providerId="ADAL" clId="{30C724EF-4842-4D28-AD5E-F8ADBCCE7FC4}" dt="2025-05-02T14:26:33.878" v="6" actId="47"/>
+        <pc:sldMkLst>
+          <pc:docMk/>
+          <pc:sldMk cId="2162073066" sldId="263"/>
+        </pc:sldMkLst>
+      </pc:sldChg>
+      <pc:sldChg chg="modSp new mod">
+        <pc:chgData name="Weifeng Xu" userId="e7aed605-a3dd-4d5a-a692-a87037af107b" providerId="ADAL" clId="{30C724EF-4842-4D28-AD5E-F8ADBCCE7FC4}" dt="2025-05-02T14:32:55.778" v="67"/>
+        <pc:sldMkLst>
+          <pc:docMk/>
+          <pc:sldMk cId="3784490461" sldId="263"/>
+        </pc:sldMkLst>
+        <pc:spChg chg="mod">
+          <ac:chgData name="Weifeng Xu" userId="e7aed605-a3dd-4d5a-a692-a87037af107b" providerId="ADAL" clId="{30C724EF-4842-4D28-AD5E-F8ADBCCE7FC4}" dt="2025-05-02T14:32:49.451" v="66"/>
+          <ac:spMkLst>
+            <pc:docMk/>
+            <pc:sldMk cId="3784490461" sldId="263"/>
+            <ac:spMk id="2" creationId="{17A1E9EA-3188-F6FE-7169-7880E7BB0AEC}"/>
+          </ac:spMkLst>
+        </pc:spChg>
+        <pc:spChg chg="mod">
+          <ac:chgData name="Weifeng Xu" userId="e7aed605-a3dd-4d5a-a692-a87037af107b" providerId="ADAL" clId="{30C724EF-4842-4D28-AD5E-F8ADBCCE7FC4}" dt="2025-05-02T14:32:55.778" v="67"/>
+          <ac:spMkLst>
+            <pc:docMk/>
+            <pc:sldMk cId="3784490461" sldId="263"/>
+            <ac:spMk id="3" creationId="{C6092818-8797-D095-7FB1-752C788E5E03}"/>
+          </ac:spMkLst>
+        </pc:spChg>
+      </pc:sldChg>
+      <pc:sldChg chg="modSp new mod">
+        <pc:chgData name="Weifeng Xu" userId="e7aed605-a3dd-4d5a-a692-a87037af107b" providerId="ADAL" clId="{30C724EF-4842-4D28-AD5E-F8ADBCCE7FC4}" dt="2025-05-02T14:34:02.101" v="70"/>
+        <pc:sldMkLst>
+          <pc:docMk/>
+          <pc:sldMk cId="1859847628" sldId="264"/>
+        </pc:sldMkLst>
+        <pc:spChg chg="mod">
+          <ac:chgData name="Weifeng Xu" userId="e7aed605-a3dd-4d5a-a692-a87037af107b" providerId="ADAL" clId="{30C724EF-4842-4D28-AD5E-F8ADBCCE7FC4}" dt="2025-05-02T14:33:53.378" v="69"/>
+          <ac:spMkLst>
+            <pc:docMk/>
+            <pc:sldMk cId="1859847628" sldId="264"/>
+            <ac:spMk id="2" creationId="{6D4F43EA-2007-B207-DD77-15D8A22C55FE}"/>
+          </ac:spMkLst>
+        </pc:spChg>
+        <pc:spChg chg="mod">
+          <ac:chgData name="Weifeng Xu" userId="e7aed605-a3dd-4d5a-a692-a87037af107b" providerId="ADAL" clId="{30C724EF-4842-4D28-AD5E-F8ADBCCE7FC4}" dt="2025-05-02T14:34:02.101" v="70"/>
+          <ac:spMkLst>
+            <pc:docMk/>
+            <pc:sldMk cId="1859847628" sldId="264"/>
+            <ac:spMk id="3" creationId="{B554FC04-768B-6611-B3C3-72F571FD329D}"/>
+          </ac:spMkLst>
+        </pc:spChg>
+      </pc:sldChg>
+      <pc:sldChg chg="del">
+        <pc:chgData name="Weifeng Xu" userId="e7aed605-a3dd-4d5a-a692-a87037af107b" providerId="ADAL" clId="{30C724EF-4842-4D28-AD5E-F8ADBCCE7FC4}" dt="2025-05-02T14:26:34.055" v="7" actId="47"/>
+        <pc:sldMkLst>
+          <pc:docMk/>
+          <pc:sldMk cId="1975365164" sldId="264"/>
+        </pc:sldMkLst>
+      </pc:sldChg>
+      <pc:sldChg chg="modSp new mod">
+        <pc:chgData name="Weifeng Xu" userId="e7aed605-a3dd-4d5a-a692-a87037af107b" providerId="ADAL" clId="{30C724EF-4842-4D28-AD5E-F8ADBCCE7FC4}" dt="2025-05-02T14:36:37.939" v="73"/>
+        <pc:sldMkLst>
+          <pc:docMk/>
+          <pc:sldMk cId="2875748899" sldId="265"/>
+        </pc:sldMkLst>
+        <pc:spChg chg="mod">
+          <ac:chgData name="Weifeng Xu" userId="e7aed605-a3dd-4d5a-a692-a87037af107b" providerId="ADAL" clId="{30C724EF-4842-4D28-AD5E-F8ADBCCE7FC4}" dt="2025-05-02T14:36:30.993" v="72"/>
+          <ac:spMkLst>
+            <pc:docMk/>
+            <pc:sldMk cId="2875748899" sldId="265"/>
+            <ac:spMk id="2" creationId="{AEEC6A4F-D611-9574-251F-6F3AC3DF26C2}"/>
+          </ac:spMkLst>
+        </pc:spChg>
+        <pc:spChg chg="mod">
+          <ac:chgData name="Weifeng Xu" userId="e7aed605-a3dd-4d5a-a692-a87037af107b" providerId="ADAL" clId="{30C724EF-4842-4D28-AD5E-F8ADBCCE7FC4}" dt="2025-05-02T14:36:37.939" v="73"/>
+          <ac:spMkLst>
+            <pc:docMk/>
+            <pc:sldMk cId="2875748899" sldId="265"/>
+            <ac:spMk id="3" creationId="{E61BBA5C-A936-54DA-58F7-34C3DCDD3474}"/>
+          </ac:spMkLst>
+        </pc:spChg>
+      </pc:sldChg>
+      <pc:sldChg chg="del">
+        <pc:chgData name="Weifeng Xu" userId="e7aed605-a3dd-4d5a-a692-a87037af107b" providerId="ADAL" clId="{30C724EF-4842-4D28-AD5E-F8ADBCCE7FC4}" dt="2025-05-02T14:26:34.218" v="8" actId="47"/>
+        <pc:sldMkLst>
+          <pc:docMk/>
+          <pc:sldMk cId="4163382801" sldId="265"/>
+        </pc:sldMkLst>
+      </pc:sldChg>
+      <pc:sldChg chg="del">
+        <pc:chgData name="Weifeng Xu" userId="e7aed605-a3dd-4d5a-a692-a87037af107b" providerId="ADAL" clId="{30C724EF-4842-4D28-AD5E-F8ADBCCE7FC4}" dt="2025-05-02T14:26:35.006" v="12" actId="47"/>
+        <pc:sldMkLst>
+          <pc:docMk/>
+          <pc:sldMk cId="711940281" sldId="266"/>
+        </pc:sldMkLst>
+      </pc:sldChg>
+      <pc:sldChg chg="modSp new mod">
+        <pc:chgData name="Weifeng Xu" userId="e7aed605-a3dd-4d5a-a692-a87037af107b" providerId="ADAL" clId="{30C724EF-4842-4D28-AD5E-F8ADBCCE7FC4}" dt="2025-05-02T14:37:14.713" v="77" actId="27636"/>
+        <pc:sldMkLst>
+          <pc:docMk/>
+          <pc:sldMk cId="3455260336" sldId="266"/>
+        </pc:sldMkLst>
+        <pc:spChg chg="mod">
+          <ac:chgData name="Weifeng Xu" userId="e7aed605-a3dd-4d5a-a692-a87037af107b" providerId="ADAL" clId="{30C724EF-4842-4D28-AD5E-F8ADBCCE7FC4}" dt="2025-05-02T14:37:05.825" v="75"/>
+          <ac:spMkLst>
+            <pc:docMk/>
+            <pc:sldMk cId="3455260336" sldId="266"/>
+            <ac:spMk id="2" creationId="{DBF015FC-B1F2-B4B0-60C2-8F9C3DABCCD5}"/>
+          </ac:spMkLst>
+        </pc:spChg>
+        <pc:spChg chg="mod">
+          <ac:chgData name="Weifeng Xu" userId="e7aed605-a3dd-4d5a-a692-a87037af107b" providerId="ADAL" clId="{30C724EF-4842-4D28-AD5E-F8ADBCCE7FC4}" dt="2025-05-02T14:37:14.713" v="77" actId="27636"/>
+          <ac:spMkLst>
+            <pc:docMk/>
+            <pc:sldMk cId="3455260336" sldId="266"/>
+            <ac:spMk id="3" creationId="{60862988-BD44-4FD7-388D-DF9A4FD9B2C7}"/>
+          </ac:spMkLst>
+        </pc:spChg>
+      </pc:sldChg>
+      <pc:sldChg chg="modSp new mod">
+        <pc:chgData name="Weifeng Xu" userId="e7aed605-a3dd-4d5a-a692-a87037af107b" providerId="ADAL" clId="{30C724EF-4842-4D28-AD5E-F8ADBCCE7FC4}" dt="2025-05-02T14:37:38.176" v="80"/>
+        <pc:sldMkLst>
+          <pc:docMk/>
+          <pc:sldMk cId="2341961951" sldId="267"/>
+        </pc:sldMkLst>
+        <pc:spChg chg="mod">
+          <ac:chgData name="Weifeng Xu" userId="e7aed605-a3dd-4d5a-a692-a87037af107b" providerId="ADAL" clId="{30C724EF-4842-4D28-AD5E-F8ADBCCE7FC4}" dt="2025-05-02T14:37:29.504" v="79"/>
+          <ac:spMkLst>
+            <pc:docMk/>
+            <pc:sldMk cId="2341961951" sldId="267"/>
+            <ac:spMk id="2" creationId="{F44A41A8-8B60-C80A-E031-ABC24E660D60}"/>
+          </ac:spMkLst>
+        </pc:spChg>
+        <pc:spChg chg="mod">
+          <ac:chgData name="Weifeng Xu" userId="e7aed605-a3dd-4d5a-a692-a87037af107b" providerId="ADAL" clId="{30C724EF-4842-4D28-AD5E-F8ADBCCE7FC4}" dt="2025-05-02T14:37:38.176" v="80"/>
+          <ac:spMkLst>
+            <pc:docMk/>
+            <pc:sldMk cId="2341961951" sldId="267"/>
+            <ac:spMk id="3" creationId="{0B4B4BEE-8EA8-0445-A2CA-FC8DAEB1AACB}"/>
+          </ac:spMkLst>
+        </pc:spChg>
+      </pc:sldChg>
+      <pc:sldChg chg="del">
+        <pc:chgData name="Weifeng Xu" userId="e7aed605-a3dd-4d5a-a692-a87037af107b" providerId="ADAL" clId="{30C724EF-4842-4D28-AD5E-F8ADBCCE7FC4}" dt="2025-05-02T14:26:35.227" v="13" actId="47"/>
+        <pc:sldMkLst>
+          <pc:docMk/>
+          <pc:sldMk cId="3000902119" sldId="267"/>
+        </pc:sldMkLst>
+      </pc:sldChg>
+      <pc:sldChg chg="del">
+        <pc:chgData name="Weifeng Xu" userId="e7aed605-a3dd-4d5a-a692-a87037af107b" providerId="ADAL" clId="{30C724EF-4842-4D28-AD5E-F8ADBCCE7FC4}" dt="2025-05-02T14:26:35.390" v="14" actId="47"/>
+        <pc:sldMkLst>
+          <pc:docMk/>
+          <pc:sldMk cId="70125468" sldId="268"/>
+        </pc:sldMkLst>
+      </pc:sldChg>
+      <pc:sldChg chg="modSp new mod">
+        <pc:chgData name="Weifeng Xu" userId="e7aed605-a3dd-4d5a-a692-a87037af107b" providerId="ADAL" clId="{30C724EF-4842-4D28-AD5E-F8ADBCCE7FC4}" dt="2025-05-02T14:38:19.021" v="83"/>
+        <pc:sldMkLst>
+          <pc:docMk/>
+          <pc:sldMk cId="1430309032" sldId="268"/>
+        </pc:sldMkLst>
+        <pc:spChg chg="mod">
+          <ac:chgData name="Weifeng Xu" userId="e7aed605-a3dd-4d5a-a692-a87037af107b" providerId="ADAL" clId="{30C724EF-4842-4D28-AD5E-F8ADBCCE7FC4}" dt="2025-05-02T14:38:10.250" v="82"/>
+          <ac:spMkLst>
+            <pc:docMk/>
+            <pc:sldMk cId="1430309032" sldId="268"/>
+            <ac:spMk id="2" creationId="{D2F2FF6F-00D3-1624-6EC5-F5E7606BEEE1}"/>
+          </ac:spMkLst>
+        </pc:spChg>
+        <pc:spChg chg="mod">
+          <ac:chgData name="Weifeng Xu" userId="e7aed605-a3dd-4d5a-a692-a87037af107b" providerId="ADAL" clId="{30C724EF-4842-4D28-AD5E-F8ADBCCE7FC4}" dt="2025-05-02T14:38:19.021" v="83"/>
+          <ac:spMkLst>
+            <pc:docMk/>
+            <pc:sldMk cId="1430309032" sldId="268"/>
+            <ac:spMk id="3" creationId="{CF0C2084-EEC0-5496-A844-1C0497D66B0D}"/>
+          </ac:spMkLst>
+        </pc:spChg>
+      </pc:sldChg>
+      <pc:sldChg chg="del">
+        <pc:chgData name="Weifeng Xu" userId="e7aed605-a3dd-4d5a-a692-a87037af107b" providerId="ADAL" clId="{30C724EF-4842-4D28-AD5E-F8ADBCCE7FC4}" dt="2025-05-02T14:26:38.233" v="19" actId="47"/>
+        <pc:sldMkLst>
+          <pc:docMk/>
+          <pc:sldMk cId="1829157120" sldId="269"/>
+        </pc:sldMkLst>
+      </pc:sldChg>
+      <pc:sldChg chg="addSp delSp modSp new mod modClrScheme chgLayout">
+        <pc:chgData name="Weifeng Xu" userId="e7aed605-a3dd-4d5a-a692-a87037af107b" providerId="ADAL" clId="{30C724EF-4842-4D28-AD5E-F8ADBCCE7FC4}" dt="2025-05-08T01:41:16.952" v="194" actId="21"/>
+        <pc:sldMkLst>
+          <pc:docMk/>
+          <pc:sldMk cId="2476079575" sldId="269"/>
+        </pc:sldMkLst>
+        <pc:spChg chg="mod ord">
+          <ac:chgData name="Weifeng Xu" userId="e7aed605-a3dd-4d5a-a692-a87037af107b" providerId="ADAL" clId="{30C724EF-4842-4D28-AD5E-F8ADBCCE7FC4}" dt="2025-05-02T15:09:21.836" v="130" actId="1076"/>
+          <ac:spMkLst>
+            <pc:docMk/>
+            <pc:sldMk cId="2476079575" sldId="269"/>
+            <ac:spMk id="2" creationId="{C1A58F9A-37C5-E4AA-4208-536F72C64D86}"/>
+          </ac:spMkLst>
+        </pc:spChg>
+        <pc:spChg chg="add mod">
+          <ac:chgData name="Weifeng Xu" userId="e7aed605-a3dd-4d5a-a692-a87037af107b" providerId="ADAL" clId="{30C724EF-4842-4D28-AD5E-F8ADBCCE7FC4}" dt="2025-05-08T01:38:41.887" v="187" actId="14100"/>
+          <ac:spMkLst>
+            <pc:docMk/>
+            <pc:sldMk cId="2476079575" sldId="269"/>
+            <ac:spMk id="4" creationId="{38E8B7E7-ED13-FA46-0E21-DAFD6FECA148}"/>
+          </ac:spMkLst>
+        </pc:spChg>
+        <pc:picChg chg="add mod">
+          <ac:chgData name="Weifeng Xu" userId="e7aed605-a3dd-4d5a-a692-a87037af107b" providerId="ADAL" clId="{30C724EF-4842-4D28-AD5E-F8ADBCCE7FC4}" dt="2025-05-02T15:09:25.274" v="131" actId="1076"/>
+          <ac:picMkLst>
+            <pc:docMk/>
+            <pc:sldMk cId="2476079575" sldId="269"/>
+            <ac:picMk id="6" creationId="{EEB5F214-F905-E5DC-2193-E6FE33EDA9ED}"/>
+          </ac:picMkLst>
+        </pc:picChg>
+        <pc:picChg chg="add del mod">
+          <ac:chgData name="Weifeng Xu" userId="e7aed605-a3dd-4d5a-a692-a87037af107b" providerId="ADAL" clId="{30C724EF-4842-4D28-AD5E-F8ADBCCE7FC4}" dt="2025-05-08T01:41:16.952" v="194" actId="21"/>
+          <ac:picMkLst>
+            <pc:docMk/>
+            <pc:sldMk cId="2476079575" sldId="269"/>
+            <ac:picMk id="1026" creationId="{7EB37E70-5ABD-ED8F-2AF3-0D8F1FCC0D0E}"/>
+          </ac:picMkLst>
+        </pc:picChg>
+      </pc:sldChg>
+      <pc:sldChg chg="del">
+        <pc:chgData name="Weifeng Xu" userId="e7aed605-a3dd-4d5a-a692-a87037af107b" providerId="ADAL" clId="{30C724EF-4842-4D28-AD5E-F8ADBCCE7FC4}" dt="2025-05-02T14:26:35.560" v="15" actId="47"/>
+        <pc:sldMkLst>
+          <pc:docMk/>
+          <pc:sldMk cId="1822568230" sldId="270"/>
+        </pc:sldMkLst>
+      </pc:sldChg>
+      <pc:sldChg chg="addSp delSp modSp new mod modClrScheme chgLayout">
+        <pc:chgData name="Weifeng Xu" userId="e7aed605-a3dd-4d5a-a692-a87037af107b" providerId="ADAL" clId="{30C724EF-4842-4D28-AD5E-F8ADBCCE7FC4}" dt="2025-05-05T14:53:53.938" v="143" actId="700"/>
+        <pc:sldMkLst>
+          <pc:docMk/>
+          <pc:sldMk cId="2069138016" sldId="270"/>
+        </pc:sldMkLst>
+        <pc:picChg chg="add mod">
+          <ac:chgData name="Weifeng Xu" userId="e7aed605-a3dd-4d5a-a692-a87037af107b" providerId="ADAL" clId="{30C724EF-4842-4D28-AD5E-F8ADBCCE7FC4}" dt="2025-05-02T15:10:40.316" v="141" actId="1076"/>
+          <ac:picMkLst>
+            <pc:docMk/>
+            <pc:sldMk cId="2069138016" sldId="270"/>
+            <ac:picMk id="6" creationId="{2021DCE8-CF9F-0CA5-8062-8A5AB5572DCC}"/>
+          </ac:picMkLst>
+        </pc:picChg>
+      </pc:sldChg>
+      <pc:sldChg chg="del">
+        <pc:chgData name="Weifeng Xu" userId="e7aed605-a3dd-4d5a-a692-a87037af107b" providerId="ADAL" clId="{30C724EF-4842-4D28-AD5E-F8ADBCCE7FC4}" dt="2025-05-02T14:26:36.264" v="17" actId="47"/>
+        <pc:sldMkLst>
+          <pc:docMk/>
+          <pc:sldMk cId="929903445" sldId="271"/>
+        </pc:sldMkLst>
+      </pc:sldChg>
+      <pc:sldChg chg="addSp delSp modSp new del mod modClrScheme chgLayout">
+        <pc:chgData name="Weifeng Xu" userId="e7aed605-a3dd-4d5a-a692-a87037af107b" providerId="ADAL" clId="{30C724EF-4842-4D28-AD5E-F8ADBCCE7FC4}" dt="2025-05-05T15:03:04.739" v="175" actId="47"/>
+        <pc:sldMkLst>
+          <pc:docMk/>
+          <pc:sldMk cId="1121307659" sldId="271"/>
+        </pc:sldMkLst>
+      </pc:sldChg>
+      <pc:sldChg chg="addSp delSp modSp new mod modClrScheme chgLayout">
+        <pc:chgData name="Weifeng Xu" userId="e7aed605-a3dd-4d5a-a692-a87037af107b" providerId="ADAL" clId="{30C724EF-4842-4D28-AD5E-F8ADBCCE7FC4}" dt="2025-05-22T20:21:24.936" v="258" actId="27636"/>
+        <pc:sldMkLst>
+          <pc:docMk/>
+          <pc:sldMk cId="3037065150" sldId="271"/>
+        </pc:sldMkLst>
+        <pc:spChg chg="del mod ord">
+          <ac:chgData name="Weifeng Xu" userId="e7aed605-a3dd-4d5a-a692-a87037af107b" providerId="ADAL" clId="{30C724EF-4842-4D28-AD5E-F8ADBCCE7FC4}" dt="2025-05-22T20:18:24.610" v="196" actId="700"/>
+          <ac:spMkLst>
+            <pc:docMk/>
+            <pc:sldMk cId="3037065150" sldId="271"/>
+            <ac:spMk id="2" creationId="{38D07905-A5A0-E132-762B-B41DF4E737EA}"/>
+          </ac:spMkLst>
+        </pc:spChg>
+        <pc:spChg chg="del">
+          <ac:chgData name="Weifeng Xu" userId="e7aed605-a3dd-4d5a-a692-a87037af107b" providerId="ADAL" clId="{30C724EF-4842-4D28-AD5E-F8ADBCCE7FC4}" dt="2025-05-22T20:18:24.610" v="196" actId="700"/>
+          <ac:spMkLst>
+            <pc:docMk/>
+            <pc:sldMk cId="3037065150" sldId="271"/>
+            <ac:spMk id="3" creationId="{FA42BAD0-8BB0-42C1-51BC-68742F306E52}"/>
+          </ac:spMkLst>
+        </pc:spChg>
+        <pc:spChg chg="add mod ord">
+          <ac:chgData name="Weifeng Xu" userId="e7aed605-a3dd-4d5a-a692-a87037af107b" providerId="ADAL" clId="{30C724EF-4842-4D28-AD5E-F8ADBCCE7FC4}" dt="2025-05-22T20:20:12.482" v="233" actId="700"/>
+          <ac:spMkLst>
+            <pc:docMk/>
+            <pc:sldMk cId="3037065150" sldId="271"/>
+            <ac:spMk id="4" creationId="{8A50DB89-3275-89D1-D1DF-59F2CBB77D05}"/>
+          </ac:spMkLst>
+        </pc:spChg>
+        <pc:spChg chg="add mod ord">
+          <ac:chgData name="Weifeng Xu" userId="e7aed605-a3dd-4d5a-a692-a87037af107b" providerId="ADAL" clId="{30C724EF-4842-4D28-AD5E-F8ADBCCE7FC4}" dt="2025-05-22T20:21:24.936" v="258" actId="27636"/>
+          <ac:spMkLst>
+            <pc:docMk/>
+            <pc:sldMk cId="3037065150" sldId="271"/>
+            <ac:spMk id="6" creationId="{F0FF6C0B-5FD1-6159-F496-34C3D4010FBD}"/>
+          </ac:spMkLst>
+        </pc:spChg>
+        <pc:picChg chg="add mod">
+          <ac:chgData name="Weifeng Xu" userId="e7aed605-a3dd-4d5a-a692-a87037af107b" providerId="ADAL" clId="{30C724EF-4842-4D28-AD5E-F8ADBCCE7FC4}" dt="2025-05-22T20:20:02.094" v="232" actId="14100"/>
+          <ac:picMkLst>
+            <pc:docMk/>
+            <pc:sldMk cId="3037065150" sldId="271"/>
+            <ac:picMk id="5" creationId="{9F3EA8F2-A4A2-57B9-104A-5607C1F02E9E}"/>
+          </ac:picMkLst>
+        </pc:picChg>
+      </pc:sldChg>
+      <pc:sldChg chg="del">
+        <pc:chgData name="Weifeng Xu" userId="e7aed605-a3dd-4d5a-a692-a87037af107b" providerId="ADAL" clId="{30C724EF-4842-4D28-AD5E-F8ADBCCE7FC4}" dt="2025-05-02T14:26:34.596" v="10" actId="47"/>
+        <pc:sldMkLst>
+          <pc:docMk/>
+          <pc:sldMk cId="409369350" sldId="272"/>
+        </pc:sldMkLst>
+      </pc:sldChg>
+      <pc:sldChg chg="del">
+        <pc:chgData name="Weifeng Xu" userId="e7aed605-a3dd-4d5a-a692-a87037af107b" providerId="ADAL" clId="{30C724EF-4842-4D28-AD5E-F8ADBCCE7FC4}" dt="2025-05-02T14:26:34.416" v="9" actId="47"/>
+        <pc:sldMkLst>
+          <pc:docMk/>
+          <pc:sldMk cId="3399795082" sldId="273"/>
+        </pc:sldMkLst>
+      </pc:sldChg>
+      <pc:sldChg chg="del">
+        <pc:chgData name="Weifeng Xu" userId="e7aed605-a3dd-4d5a-a692-a87037af107b" providerId="ADAL" clId="{30C724EF-4842-4D28-AD5E-F8ADBCCE7FC4}" dt="2025-05-02T14:26:34.833" v="11" actId="47"/>
+        <pc:sldMkLst>
+          <pc:docMk/>
+          <pc:sldMk cId="1313382436" sldId="274"/>
+        </pc:sldMkLst>
+      </pc:sldChg>
+      <pc:sldChg chg="del">
+        <pc:chgData name="Weifeng Xu" userId="e7aed605-a3dd-4d5a-a692-a87037af107b" providerId="ADAL" clId="{30C724EF-4842-4D28-AD5E-F8ADBCCE7FC4}" dt="2025-05-02T14:26:39.207" v="20" actId="47"/>
+        <pc:sldMkLst>
+          <pc:docMk/>
+          <pc:sldMk cId="4170236264" sldId="275"/>
+        </pc:sldMkLst>
+      </pc:sldChg>
+      <pc:sldChg chg="del">
+        <pc:chgData name="Weifeng Xu" userId="e7aed605-a3dd-4d5a-a692-a87037af107b" providerId="ADAL" clId="{30C724EF-4842-4D28-AD5E-F8ADBCCE7FC4}" dt="2025-05-02T14:26:35.754" v="16" actId="47"/>
+        <pc:sldMkLst>
+          <pc:docMk/>
+          <pc:sldMk cId="363184616" sldId="276"/>
+        </pc:sldMkLst>
+      </pc:sldChg>
+      <pc:sldChg chg="del">
+        <pc:chgData name="Weifeng Xu" userId="e7aed605-a3dd-4d5a-a692-a87037af107b" providerId="ADAL" clId="{30C724EF-4842-4D28-AD5E-F8ADBCCE7FC4}" dt="2025-05-02T14:26:37.362" v="18" actId="47"/>
+        <pc:sldMkLst>
+          <pc:docMk/>
+          <pc:sldMk cId="1572050356" sldId="277"/>
+        </pc:sldMkLst>
+      </pc:sldChg>
+    </pc:docChg>
+  </pc:docChgLst>
 </pc:chgInfo>
 </file>
 
@@ -1614,7 +1614,7 @@
           <a:p>
             <a:fld id="{2A59A54D-A59E-4D85-AEC9-D5AFF867AB55}" type="datetimeFigureOut">
               <a:rPr lang="en-US" smtClean="0"/>
-              <a:t>5/22/2025</a:t>
+              <a:t>10/3/2025</a:t>
             </a:fld>
             <a:endParaRPr lang="en-US"/>
           </a:p>
@@ -2010,7 +2010,7 @@
           <a:p>
             <a:fld id="{4263717A-E3C1-4BED-ABE0-B7069385E023}" type="datetimeFigureOut">
               <a:rPr lang="en-US" smtClean="0"/>
-              <a:t>5/22/2025</a:t>
+              <a:t>10/3/2025</a:t>
             </a:fld>
             <a:endParaRPr lang="en-US"/>
           </a:p>
@@ -2183,7 +2183,7 @@
           <a:p>
             <a:fld id="{4263717A-E3C1-4BED-ABE0-B7069385E023}" type="datetimeFigureOut">
               <a:rPr lang="en-US" smtClean="0"/>
-              <a:t>5/22/2025</a:t>
+              <a:t>10/3/2025</a:t>
             </a:fld>
             <a:endParaRPr lang="en-US"/>
           </a:p>
@@ -2361,7 +2361,7 @@
           <a:p>
             <a:fld id="{4263717A-E3C1-4BED-ABE0-B7069385E023}" type="datetimeFigureOut">
               <a:rPr lang="en-US" smtClean="0"/>
-              <a:t>5/22/2025</a:t>
+              <a:t>10/3/2025</a:t>
             </a:fld>
             <a:endParaRPr lang="en-US"/>
           </a:p>
@@ -2529,7 +2529,7 @@
           <a:p>
             <a:fld id="{4263717A-E3C1-4BED-ABE0-B7069385E023}" type="datetimeFigureOut">
               <a:rPr lang="en-US" smtClean="0"/>
-              <a:t>5/22/2025</a:t>
+              <a:t>10/3/2025</a:t>
             </a:fld>
             <a:endParaRPr lang="en-US"/>
           </a:p>
@@ -2774,7 +2774,7 @@
           <a:p>
             <a:fld id="{4263717A-E3C1-4BED-ABE0-B7069385E023}" type="datetimeFigureOut">
               <a:rPr lang="en-US" smtClean="0"/>
-              <a:t>5/22/2025</a:t>
+              <a:t>10/3/2025</a:t>
             </a:fld>
             <a:endParaRPr lang="en-US"/>
           </a:p>
@@ -3003,7 +3003,7 @@
           <a:p>
             <a:fld id="{4263717A-E3C1-4BED-ABE0-B7069385E023}" type="datetimeFigureOut">
               <a:rPr lang="en-US" smtClean="0"/>
-              <a:t>5/22/2025</a:t>
+              <a:t>10/3/2025</a:t>
             </a:fld>
             <a:endParaRPr lang="en-US"/>
           </a:p>
@@ -3367,7 +3367,7 @@
           <a:p>
             <a:fld id="{4263717A-E3C1-4BED-ABE0-B7069385E023}" type="datetimeFigureOut">
               <a:rPr lang="en-US" smtClean="0"/>
-              <a:t>5/22/2025</a:t>
+              <a:t>10/3/2025</a:t>
             </a:fld>
             <a:endParaRPr lang="en-US"/>
           </a:p>
@@ -3484,7 +3484,7 @@
           <a:p>
             <a:fld id="{4263717A-E3C1-4BED-ABE0-B7069385E023}" type="datetimeFigureOut">
               <a:rPr lang="en-US" smtClean="0"/>
-              <a:t>5/22/2025</a:t>
+              <a:t>10/3/2025</a:t>
             </a:fld>
             <a:endParaRPr lang="en-US"/>
           </a:p>
@@ -3579,7 +3579,7 @@
           <a:p>
             <a:fld id="{4263717A-E3C1-4BED-ABE0-B7069385E023}" type="datetimeFigureOut">
               <a:rPr lang="en-US" smtClean="0"/>
-              <a:t>5/22/2025</a:t>
+              <a:t>10/3/2025</a:t>
             </a:fld>
             <a:endParaRPr lang="en-US"/>
           </a:p>
@@ -3854,7 +3854,7 @@
           <a:p>
             <a:fld id="{4263717A-E3C1-4BED-ABE0-B7069385E023}" type="datetimeFigureOut">
               <a:rPr lang="en-US" smtClean="0"/>
-              <a:t>5/22/2025</a:t>
+              <a:t>10/3/2025</a:t>
             </a:fld>
             <a:endParaRPr lang="en-US"/>
           </a:p>
@@ -4106,7 +4106,7 @@
           <a:p>
             <a:fld id="{4263717A-E3C1-4BED-ABE0-B7069385E023}" type="datetimeFigureOut">
               <a:rPr lang="en-US" smtClean="0"/>
-              <a:t>5/22/2025</a:t>
+              <a:t>10/3/2025</a:t>
             </a:fld>
             <a:endParaRPr lang="en-US"/>
           </a:p>
@@ -4325,7 +4325,7 @@
           <a:p>
             <a:fld id="{4263717A-E3C1-4BED-ABE0-B7069385E023}" type="datetimeFigureOut">
               <a:rPr lang="en-US" smtClean="0"/>
-              <a:t>5/22/2025</a:t>
+              <a:t>10/3/2025</a:t>
             </a:fld>
             <a:endParaRPr lang="en-US"/>
           </a:p>
@@ -6176,13 +6176,10 @@
             </a:r>
           </a:p>
           <a:p>
-            <a:pPr marL="742950" lvl="1" indent="-285750" rtl="0">
-              <a:buFont typeface="Arial" panose="020B0604020202020204" pitchFamily="34" charset="0"/>
-              <a:buChar char="•"/>
-            </a:pPr>
+            <a:pPr marL="742950" lvl="1" indent="-285750"/>
             <a:r>
               <a:rPr lang="en-GB" dirty="0"/>
-              <a:t>Classification, regression, clustering, etc.</a:t>
+              <a:t>Classification (e.g., "spam" or "not spam“), regression (e.g., house price or temperature), clustering, etc.</a:t>
             </a:r>
           </a:p>
           <a:p>
@@ -6191,8 +6188,12 @@
               <a:buChar char="•"/>
             </a:pPr>
             <a:r>
+              <a:rPr lang="en-GB"/>
+              <a:t>Define </a:t>
+            </a:r>
+            <a:r>
               <a:rPr lang="en-GB" dirty="0"/>
-              <a:t>Define success metrics</a:t>
+              <a:t>success metrics</a:t>
             </a:r>
           </a:p>
           <a:p>
@@ -6814,7 +6815,7 @@
           <p:nvPr/>
         </p:nvPicPr>
         <p:blipFill>
-          <a:blip r:embed="rId2">
+          <a:blip r:embed="rId2" cstate="print">
             <a:extLst>
               <a:ext uri="{28A0092B-C50C-407E-A947-70E740481C1C}">
                 <a14:useLocalDpi xmlns:a14="http://schemas.microsoft.com/office/drawing/2010/main" val="0"/>
